--- a/Food_Wastage_Management_Presentation (1).pptx
+++ b/Food_Wastage_Management_Presentation (1).pptx
@@ -1015,7 +1015,7 @@
 </file>
 
 <file path=ppt/slideLayouts/slideLayout10.xml><?xml version="1.0" encoding="utf-8"?>
-<p:sldLayout xmlns:a="http://schemas.openxmlformats.org/drawingml/2006/main" xmlns:r="http://schemas.openxmlformats.org/officeDocument/2006/relationships" xmlns:p="http://schemas.openxmlformats.org/presentationml/2006/main" preserve="1">
+<p:sldLayout xmlns:a="http://schemas.openxmlformats.org/drawingml/2006/main" xmlns:r="http://schemas.openxmlformats.org/officeDocument/2006/relationships" xmlns:p="http://schemas.openxmlformats.org/presentationml/2006/main" showMasterSp="0" preserve="1">
   <p:cSld name="Panoramic Picture with Caption">
     <p:spTree>
       <p:nvGrpSpPr>
@@ -1281,7 +1281,7 @@
 </file>
 
 <file path=ppt/slideLayouts/slideLayout11.xml><?xml version="1.0" encoding="utf-8"?>
-<p:sldLayout xmlns:a="http://schemas.openxmlformats.org/drawingml/2006/main" xmlns:r="http://schemas.openxmlformats.org/officeDocument/2006/relationships" xmlns:p="http://schemas.openxmlformats.org/presentationml/2006/main" preserve="1">
+<p:sldLayout xmlns:a="http://schemas.openxmlformats.org/drawingml/2006/main" xmlns:r="http://schemas.openxmlformats.org/officeDocument/2006/relationships" xmlns:p="http://schemas.openxmlformats.org/presentationml/2006/main" showMasterSp="0" preserve="1">
   <p:cSld name="Title and Caption">
     <p:spTree>
       <p:nvGrpSpPr>
@@ -1531,7 +1531,7 @@
 </file>
 
 <file path=ppt/slideLayouts/slideLayout12.xml><?xml version="1.0" encoding="utf-8"?>
-<p:sldLayout xmlns:a="http://schemas.openxmlformats.org/drawingml/2006/main" xmlns:r="http://schemas.openxmlformats.org/officeDocument/2006/relationships" xmlns:p="http://schemas.openxmlformats.org/presentationml/2006/main" preserve="1">
+<p:sldLayout xmlns:a="http://schemas.openxmlformats.org/drawingml/2006/main" xmlns:r="http://schemas.openxmlformats.org/officeDocument/2006/relationships" xmlns:p="http://schemas.openxmlformats.org/presentationml/2006/main" showMasterSp="0" preserve="1">
   <p:cSld name="Quote with Caption">
     <p:spTree>
       <p:nvGrpSpPr>
@@ -1907,7 +1907,7 @@
 </file>
 
 <file path=ppt/slideLayouts/slideLayout13.xml><?xml version="1.0" encoding="utf-8"?>
-<p:sldLayout xmlns:a="http://schemas.openxmlformats.org/drawingml/2006/main" xmlns:r="http://schemas.openxmlformats.org/officeDocument/2006/relationships" xmlns:p="http://schemas.openxmlformats.org/presentationml/2006/main" preserve="1">
+<p:sldLayout xmlns:a="http://schemas.openxmlformats.org/drawingml/2006/main" xmlns:r="http://schemas.openxmlformats.org/officeDocument/2006/relationships" xmlns:p="http://schemas.openxmlformats.org/presentationml/2006/main" showMasterSp="0" preserve="1">
   <p:cSld name="Name Card">
     <p:spTree>
       <p:nvGrpSpPr>
@@ -2157,7 +2157,7 @@
 </file>
 
 <file path=ppt/slideLayouts/slideLayout14.xml><?xml version="1.0" encoding="utf-8"?>
-<p:sldLayout xmlns:a="http://schemas.openxmlformats.org/drawingml/2006/main" xmlns:r="http://schemas.openxmlformats.org/officeDocument/2006/relationships" xmlns:p="http://schemas.openxmlformats.org/presentationml/2006/main" preserve="1">
+<p:sldLayout xmlns:a="http://schemas.openxmlformats.org/drawingml/2006/main" xmlns:r="http://schemas.openxmlformats.org/officeDocument/2006/relationships" xmlns:p="http://schemas.openxmlformats.org/presentationml/2006/main" showMasterSp="0" preserve="1">
   <p:cSld name="Quote Name Card">
     <p:spTree>
       <p:nvGrpSpPr>
@@ -2527,7 +2527,7 @@
 </file>
 
 <file path=ppt/slideLayouts/slideLayout15.xml><?xml version="1.0" encoding="utf-8"?>
-<p:sldLayout xmlns:a="http://schemas.openxmlformats.org/drawingml/2006/main" xmlns:r="http://schemas.openxmlformats.org/officeDocument/2006/relationships" xmlns:p="http://schemas.openxmlformats.org/presentationml/2006/main" preserve="1">
+<p:sldLayout xmlns:a="http://schemas.openxmlformats.org/drawingml/2006/main" xmlns:r="http://schemas.openxmlformats.org/officeDocument/2006/relationships" xmlns:p="http://schemas.openxmlformats.org/presentationml/2006/main" showMasterSp="0" preserve="1">
   <p:cSld name="True or False">
     <p:spTree>
       <p:nvGrpSpPr>
@@ -2826,7 +2826,7 @@
 </file>
 
 <file path=ppt/slideLayouts/slideLayout16.xml><?xml version="1.0" encoding="utf-8"?>
-<p:sldLayout xmlns:a="http://schemas.openxmlformats.org/drawingml/2006/main" xmlns:r="http://schemas.openxmlformats.org/officeDocument/2006/relationships" xmlns:p="http://schemas.openxmlformats.org/presentationml/2006/main" type="vertTx" preserve="1">
+<p:sldLayout xmlns:a="http://schemas.openxmlformats.org/drawingml/2006/main" xmlns:r="http://schemas.openxmlformats.org/officeDocument/2006/relationships" xmlns:p="http://schemas.openxmlformats.org/presentationml/2006/main" showMasterSp="0" type="vertTx" preserve="1">
   <p:cSld name="Title and Vertical Text">
     <p:spTree>
       <p:nvGrpSpPr>
@@ -3012,7 +3012,7 @@
 </file>
 
 <file path=ppt/slideLayouts/slideLayout17.xml><?xml version="1.0" encoding="utf-8"?>
-<p:sldLayout xmlns:a="http://schemas.openxmlformats.org/drawingml/2006/main" xmlns:r="http://schemas.openxmlformats.org/officeDocument/2006/relationships" xmlns:p="http://schemas.openxmlformats.org/presentationml/2006/main" type="vertTitleAndTx" preserve="1">
+<p:sldLayout xmlns:a="http://schemas.openxmlformats.org/drawingml/2006/main" xmlns:r="http://schemas.openxmlformats.org/officeDocument/2006/relationships" xmlns:p="http://schemas.openxmlformats.org/presentationml/2006/main" showMasterSp="0" type="vertTitleAndTx" preserve="1">
   <p:cSld name="Vertical Title and Text">
     <p:spTree>
       <p:nvGrpSpPr>
@@ -3198,7 +3198,7 @@
 </file>
 
 <file path=ppt/slideLayouts/slideLayout2.xml><?xml version="1.0" encoding="utf-8"?>
-<p:sldLayout xmlns:a="http://schemas.openxmlformats.org/drawingml/2006/main" xmlns:r="http://schemas.openxmlformats.org/officeDocument/2006/relationships" xmlns:p="http://schemas.openxmlformats.org/presentationml/2006/main" type="obj" preserve="1">
+<p:sldLayout xmlns:a="http://schemas.openxmlformats.org/drawingml/2006/main" xmlns:r="http://schemas.openxmlformats.org/officeDocument/2006/relationships" xmlns:p="http://schemas.openxmlformats.org/presentationml/2006/main" showMasterSp="0" type="obj" preserve="1">
   <p:cSld name="Title and Content">
     <p:spTree>
       <p:nvGrpSpPr>
@@ -3378,7 +3378,7 @@
 </file>
 
 <file path=ppt/slideLayouts/slideLayout3.xml><?xml version="1.0" encoding="utf-8"?>
-<p:sldLayout xmlns:a="http://schemas.openxmlformats.org/drawingml/2006/main" xmlns:r="http://schemas.openxmlformats.org/officeDocument/2006/relationships" xmlns:p="http://schemas.openxmlformats.org/presentationml/2006/main" type="secHead" preserve="1">
+<p:sldLayout xmlns:a="http://schemas.openxmlformats.org/drawingml/2006/main" xmlns:r="http://schemas.openxmlformats.org/officeDocument/2006/relationships" xmlns:p="http://schemas.openxmlformats.org/presentationml/2006/main" showMasterSp="0" type="secHead" preserve="1">
   <p:cSld name="Section Header">
     <p:spTree>
       <p:nvGrpSpPr>
@@ -3628,7 +3628,7 @@
 </file>
 
 <file path=ppt/slideLayouts/slideLayout4.xml><?xml version="1.0" encoding="utf-8"?>
-<p:sldLayout xmlns:a="http://schemas.openxmlformats.org/drawingml/2006/main" xmlns:r="http://schemas.openxmlformats.org/officeDocument/2006/relationships" xmlns:p="http://schemas.openxmlformats.org/presentationml/2006/main" type="twoObj" preserve="1">
+<p:sldLayout xmlns:a="http://schemas.openxmlformats.org/drawingml/2006/main" xmlns:r="http://schemas.openxmlformats.org/officeDocument/2006/relationships" xmlns:p="http://schemas.openxmlformats.org/presentationml/2006/main" showMasterSp="0" type="twoObj" preserve="1">
   <p:cSld name="Two Content">
     <p:spTree>
       <p:nvGrpSpPr>
@@ -3875,7 +3875,7 @@
 </file>
 
 <file path=ppt/slideLayouts/slideLayout5.xml><?xml version="1.0" encoding="utf-8"?>
-<p:sldLayout xmlns:a="http://schemas.openxmlformats.org/drawingml/2006/main" xmlns:r="http://schemas.openxmlformats.org/officeDocument/2006/relationships" xmlns:p="http://schemas.openxmlformats.org/presentationml/2006/main" type="twoTxTwoObj" preserve="1">
+<p:sldLayout xmlns:a="http://schemas.openxmlformats.org/drawingml/2006/main" xmlns:r="http://schemas.openxmlformats.org/officeDocument/2006/relationships" xmlns:p="http://schemas.openxmlformats.org/presentationml/2006/main" showMasterSp="0" type="twoTxTwoObj" preserve="1">
   <p:cSld name="Comparison">
     <p:spTree>
       <p:nvGrpSpPr>
@@ -4264,7 +4264,7 @@
 </file>
 
 <file path=ppt/slideLayouts/slideLayout6.xml><?xml version="1.0" encoding="utf-8"?>
-<p:sldLayout xmlns:a="http://schemas.openxmlformats.org/drawingml/2006/main" xmlns:r="http://schemas.openxmlformats.org/officeDocument/2006/relationships" xmlns:p="http://schemas.openxmlformats.org/presentationml/2006/main" type="titleOnly" preserve="1">
+<p:sldLayout xmlns:a="http://schemas.openxmlformats.org/drawingml/2006/main" xmlns:r="http://schemas.openxmlformats.org/officeDocument/2006/relationships" xmlns:p="http://schemas.openxmlformats.org/presentationml/2006/main" showMasterSp="0" type="titleOnly" preserve="1">
   <p:cSld name="Title Only">
     <p:spTree>
       <p:nvGrpSpPr>
@@ -4393,7 +4393,7 @@
 </file>
 
 <file path=ppt/slideLayouts/slideLayout7.xml><?xml version="1.0" encoding="utf-8"?>
-<p:sldLayout xmlns:a="http://schemas.openxmlformats.org/drawingml/2006/main" xmlns:r="http://schemas.openxmlformats.org/officeDocument/2006/relationships" xmlns:p="http://schemas.openxmlformats.org/presentationml/2006/main" type="blank" preserve="1">
+<p:sldLayout xmlns:a="http://schemas.openxmlformats.org/drawingml/2006/main" xmlns:r="http://schemas.openxmlformats.org/officeDocument/2006/relationships" xmlns:p="http://schemas.openxmlformats.org/presentationml/2006/main" showMasterSp="0" type="blank" preserve="1">
   <p:cSld name="Blank">
     <p:spTree>
       <p:nvGrpSpPr>
@@ -4488,7 +4488,7 @@
 </file>
 
 <file path=ppt/slideLayouts/slideLayout8.xml><?xml version="1.0" encoding="utf-8"?>
-<p:sldLayout xmlns:a="http://schemas.openxmlformats.org/drawingml/2006/main" xmlns:r="http://schemas.openxmlformats.org/officeDocument/2006/relationships" xmlns:p="http://schemas.openxmlformats.org/presentationml/2006/main" type="objTx" preserve="1">
+<p:sldLayout xmlns:a="http://schemas.openxmlformats.org/drawingml/2006/main" xmlns:r="http://schemas.openxmlformats.org/officeDocument/2006/relationships" xmlns:p="http://schemas.openxmlformats.org/presentationml/2006/main" showMasterSp="0" type="objTx" preserve="1">
   <p:cSld name="Content with Caption">
     <p:spTree>
       <p:nvGrpSpPr>
@@ -4743,7 +4743,7 @@
 </file>
 
 <file path=ppt/slideLayouts/slideLayout9.xml><?xml version="1.0" encoding="utf-8"?>
-<p:sldLayout xmlns:a="http://schemas.openxmlformats.org/drawingml/2006/main" xmlns:r="http://schemas.openxmlformats.org/officeDocument/2006/relationships" xmlns:p="http://schemas.openxmlformats.org/presentationml/2006/main" type="picTx" preserve="1">
+<p:sldLayout xmlns:a="http://schemas.openxmlformats.org/drawingml/2006/main" xmlns:r="http://schemas.openxmlformats.org/officeDocument/2006/relationships" xmlns:p="http://schemas.openxmlformats.org/presentationml/2006/main" showMasterSp="0" type="picTx" preserve="1">
   <p:cSld name="Picture with Caption">
     <p:spTree>
       <p:nvGrpSpPr>
@@ -5034,9 +5034,39 @@
 <p:sldMaster xmlns:a="http://schemas.openxmlformats.org/drawingml/2006/main" xmlns:r="http://schemas.openxmlformats.org/officeDocument/2006/relationships" xmlns:p="http://schemas.openxmlformats.org/presentationml/2006/main">
   <p:cSld>
     <p:bg>
-      <p:bgRef idx="1002">
-        <a:schemeClr val="bg2"/>
-      </p:bgRef>
+      <p:bgPr>
+        <a:gradFill flip="none" rotWithShape="1">
+          <a:gsLst>
+            <a:gs pos="5000">
+              <a:schemeClr val="accent1">
+                <a:lumMod val="5000"/>
+                <a:lumOff val="95000"/>
+              </a:schemeClr>
+            </a:gs>
+            <a:gs pos="74000">
+              <a:schemeClr val="accent1">
+                <a:lumMod val="45000"/>
+                <a:lumOff val="55000"/>
+              </a:schemeClr>
+            </a:gs>
+            <a:gs pos="83000">
+              <a:schemeClr val="accent1">
+                <a:lumMod val="45000"/>
+                <a:lumOff val="55000"/>
+              </a:schemeClr>
+            </a:gs>
+            <a:gs pos="100000">
+              <a:schemeClr val="accent1">
+                <a:lumMod val="30000"/>
+                <a:lumOff val="70000"/>
+              </a:schemeClr>
+            </a:gs>
+          </a:gsLst>
+          <a:lin ang="5400000" scaled="1"/>
+          <a:tileRect/>
+        </a:gradFill>
+        <a:effectLst/>
+      </p:bgPr>
     </p:bg>
     <p:spTree>
       <p:nvGrpSpPr>
@@ -5894,17 +5924,1170 @@
 </file>
 
 <file path=ppt/slides/slide1.xml><?xml version="1.0" encoding="utf-8"?>
-<p:sld xmlns:a="http://schemas.openxmlformats.org/drawingml/2006/main" xmlns:r="http://schemas.openxmlformats.org/officeDocument/2006/relationships" xmlns:p="http://schemas.openxmlformats.org/presentationml/2006/main">
+<p:sld xmlns:a="http://schemas.openxmlformats.org/drawingml/2006/main" xmlns:r="http://schemas.openxmlformats.org/officeDocument/2006/relationships" xmlns:p="http://schemas.openxmlformats.org/presentationml/2006/main" showMasterSp="0">
   <p:cSld>
-    <p:bg bwMode="blackWhite">
+    <p:spTree>
+      <p:nvGrpSpPr>
+        <p:cNvPr id="1" name=""/>
+        <p:cNvGrpSpPr/>
+        <p:nvPr/>
+      </p:nvGrpSpPr>
+      <p:grpSpPr>
+        <a:xfrm>
+          <a:off x="0" y="0"/>
+          <a:ext cx="0" cy="0"/>
+          <a:chOff x="0" y="0"/>
+          <a:chExt cx="0" cy="0"/>
+        </a:xfrm>
+      </p:grpSpPr>
+      <p:sp>
+        <p:nvSpPr>
+          <p:cNvPr id="2" name="Title 1"/>
+          <p:cNvSpPr>
+            <a:spLocks noGrp="1"/>
+          </p:cNvSpPr>
+          <p:nvPr>
+            <p:ph type="ctrTitle"/>
+          </p:nvPr>
+        </p:nvSpPr>
+        <p:spPr>
+          <a:xfrm>
+            <a:off x="137081" y="885256"/>
+            <a:ext cx="8363932" cy="1470025"/>
+          </a:xfrm>
+        </p:spPr>
+        <p:txBody>
+          <a:bodyPr/>
+          <a:lstStyle/>
+          <a:p>
+            <a:r>
+              <a:rPr b="1" dirty="0">
+                <a:highlight>
+                  <a:srgbClr val="808080"/>
+                </a:highlight>
+                <a:latin typeface="Times New Roman" panose="02020603050405020304" pitchFamily="18" charset="0"/>
+                <a:cs typeface="Times New Roman" panose="02020603050405020304" pitchFamily="18" charset="0"/>
+              </a:rPr>
+              <a:t>Local Food Wastage Management System</a:t>
+            </a:r>
+          </a:p>
+        </p:txBody>
+      </p:sp>
+      <p:sp>
+        <p:nvSpPr>
+          <p:cNvPr id="3" name="Subtitle 2"/>
+          <p:cNvSpPr>
+            <a:spLocks noGrp="1"/>
+          </p:cNvSpPr>
+          <p:nvPr>
+            <p:ph type="subTitle" idx="1"/>
+          </p:nvPr>
+        </p:nvSpPr>
+        <p:spPr>
+          <a:xfrm>
+            <a:off x="198528" y="2924024"/>
+            <a:ext cx="8241037" cy="2096211"/>
+          </a:xfrm>
+        </p:spPr>
+        <p:txBody>
+          <a:bodyPr>
+            <a:normAutofit/>
+          </a:bodyPr>
+          <a:lstStyle/>
+          <a:p>
+            <a:r>
+              <a:rPr dirty="0">
+                <a:solidFill>
+                  <a:srgbClr val="0070C0"/>
+                </a:solidFill>
+                <a:latin typeface="Arial" panose="020B0604020202020204" pitchFamily="34" charset="0"/>
+                <a:cs typeface="Arial" panose="020B0604020202020204" pitchFamily="34" charset="0"/>
+              </a:rPr>
+              <a:t>A</a:t>
+            </a:r>
+            <a:r>
+              <a:rPr lang="en-US" dirty="0">
+                <a:solidFill>
+                  <a:srgbClr val="0070C0"/>
+                </a:solidFill>
+                <a:latin typeface="Arial" panose="020B0604020202020204" pitchFamily="34" charset="0"/>
+                <a:cs typeface="Arial" panose="020B0604020202020204" pitchFamily="34" charset="0"/>
+              </a:rPr>
+              <a:t> </a:t>
+            </a:r>
+            <a:r>
+              <a:rPr dirty="0">
+                <a:solidFill>
+                  <a:srgbClr val="0070C0"/>
+                </a:solidFill>
+                <a:latin typeface="Arial" panose="020B0604020202020204" pitchFamily="34" charset="0"/>
+                <a:cs typeface="Arial" panose="020B0604020202020204" pitchFamily="34" charset="0"/>
+              </a:rPr>
+              <a:t>Solution to Reduce Food </a:t>
+            </a:r>
+            <a:r>
+              <a:rPr lang="en-US" dirty="0">
+                <a:solidFill>
+                  <a:srgbClr val="0070C0"/>
+                </a:solidFill>
+                <a:latin typeface="Arial" panose="020B0604020202020204" pitchFamily="34" charset="0"/>
+                <a:cs typeface="Arial" panose="020B0604020202020204" pitchFamily="34" charset="0"/>
+              </a:rPr>
+              <a:t> </a:t>
+            </a:r>
+            <a:r>
+              <a:rPr dirty="0">
+                <a:solidFill>
+                  <a:srgbClr val="0070C0"/>
+                </a:solidFill>
+                <a:latin typeface="Arial" panose="020B0604020202020204" pitchFamily="34" charset="0"/>
+                <a:cs typeface="Arial" panose="020B0604020202020204" pitchFamily="34" charset="0"/>
+              </a:rPr>
+              <a:t>Waste</a:t>
+            </a:r>
+            <a:endParaRPr lang="en-US" dirty="0">
+              <a:solidFill>
+                <a:srgbClr val="0070C0"/>
+              </a:solidFill>
+              <a:latin typeface="Arial" panose="020B0604020202020204" pitchFamily="34" charset="0"/>
+              <a:cs typeface="Arial" panose="020B0604020202020204" pitchFamily="34" charset="0"/>
+            </a:endParaRPr>
+          </a:p>
+          <a:p>
+            <a:endParaRPr dirty="0">
+              <a:solidFill>
+                <a:srgbClr val="0070C0"/>
+              </a:solidFill>
+              <a:latin typeface="Arial" panose="020B0604020202020204" pitchFamily="34" charset="0"/>
+              <a:cs typeface="Arial" panose="020B0604020202020204" pitchFamily="34" charset="0"/>
+            </a:endParaRPr>
+          </a:p>
+          <a:p>
+            <a:r>
+              <a:rPr dirty="0">
+                <a:solidFill>
+                  <a:srgbClr val="00B050"/>
+                </a:solidFill>
+                <a:latin typeface="Arial" panose="020B0604020202020204" pitchFamily="34" charset="0"/>
+                <a:cs typeface="Arial" panose="020B0604020202020204" pitchFamily="34" charset="0"/>
+              </a:rPr>
+              <a:t>Presented by: </a:t>
+            </a:r>
+            <a:r>
+              <a:rPr lang="en-US" b="1" dirty="0">
+                <a:solidFill>
+                  <a:schemeClr val="tx1"/>
+                </a:solidFill>
+                <a:latin typeface="Arial" panose="020B0604020202020204" pitchFamily="34" charset="0"/>
+                <a:cs typeface="Arial" panose="020B0604020202020204" pitchFamily="34" charset="0"/>
+              </a:rPr>
+              <a:t>MANIVANNAN K</a:t>
+            </a:r>
+            <a:endParaRPr b="1" dirty="0">
+              <a:solidFill>
+                <a:schemeClr val="tx1"/>
+              </a:solidFill>
+              <a:latin typeface="Arial" panose="020B0604020202020204" pitchFamily="34" charset="0"/>
+              <a:cs typeface="Arial" panose="020B0604020202020204" pitchFamily="34" charset="0"/>
+            </a:endParaRPr>
+          </a:p>
+        </p:txBody>
+      </p:sp>
+    </p:spTree>
+  </p:cSld>
+  <p:clrMapOvr>
+    <a:masterClrMapping/>
+  </p:clrMapOvr>
+</p:sld>
+</file>
+
+<file path=ppt/slides/slide10.xml><?xml version="1.0" encoding="utf-8"?>
+<p:sld xmlns:a="http://schemas.openxmlformats.org/drawingml/2006/main" xmlns:r="http://schemas.openxmlformats.org/officeDocument/2006/relationships" xmlns:p="http://schemas.openxmlformats.org/presentationml/2006/main" showMasterSp="0">
+  <p:cSld>
+    <p:spTree>
+      <p:nvGrpSpPr>
+        <p:cNvPr id="1" name=""/>
+        <p:cNvGrpSpPr/>
+        <p:nvPr/>
+      </p:nvGrpSpPr>
+      <p:grpSpPr>
+        <a:xfrm>
+          <a:off x="0" y="0"/>
+          <a:ext cx="0" cy="0"/>
+          <a:chOff x="0" y="0"/>
+          <a:chExt cx="0" cy="0"/>
+        </a:xfrm>
+      </p:grpSpPr>
+      <p:sp>
+        <p:nvSpPr>
+          <p:cNvPr id="2" name="Title 1"/>
+          <p:cNvSpPr>
+            <a:spLocks noGrp="1"/>
+          </p:cNvSpPr>
+          <p:nvPr>
+            <p:ph type="title"/>
+          </p:nvPr>
+        </p:nvSpPr>
+        <p:spPr>
+          <a:xfrm>
+            <a:off x="533399" y="294861"/>
+            <a:ext cx="7550427" cy="1524000"/>
+          </a:xfrm>
+        </p:spPr>
+        <p:txBody>
+          <a:bodyPr/>
+          <a:lstStyle/>
+          <a:p>
+            <a:r>
+              <a:rPr b="1" dirty="0">
+                <a:latin typeface="Times New Roman" panose="02020603050405020304" pitchFamily="18" charset="0"/>
+                <a:cs typeface="Times New Roman" panose="02020603050405020304" pitchFamily="18" charset="0"/>
+              </a:rPr>
+              <a:t>Implementation Highlights</a:t>
+            </a:r>
+          </a:p>
+        </p:txBody>
+      </p:sp>
+      <p:sp>
+        <p:nvSpPr>
+          <p:cNvPr id="3" name="Content Placeholder 2"/>
+          <p:cNvSpPr>
+            <a:spLocks noGrp="1"/>
+          </p:cNvSpPr>
+          <p:nvPr>
+            <p:ph idx="1"/>
+          </p:nvPr>
+        </p:nvSpPr>
+        <p:spPr>
+          <a:xfrm>
+            <a:off x="533400" y="1056861"/>
+            <a:ext cx="6554867" cy="3767670"/>
+          </a:xfrm>
+        </p:spPr>
+        <p:txBody>
+          <a:bodyPr/>
+          <a:lstStyle/>
+          <a:p>
+            <a:pPr>
+              <a:buFont typeface="Wingdings" panose="05000000000000000000" pitchFamily="2" charset="2"/>
+              <a:buChar char="Ø"/>
+            </a:pPr>
+            <a:r>
+              <a:rPr b="1" dirty="0"/>
+              <a:t> Robust Error Handling</a:t>
+            </a:r>
+          </a:p>
+          <a:p>
+            <a:pPr>
+              <a:buFont typeface="Wingdings" panose="05000000000000000000" pitchFamily="2" charset="2"/>
+              <a:buChar char="Ø"/>
+            </a:pPr>
+            <a:r>
+              <a:rPr b="1" dirty="0"/>
+              <a:t> Validated User Inputs</a:t>
+            </a:r>
+          </a:p>
+          <a:p>
+            <a:pPr>
+              <a:buFont typeface="Wingdings" panose="05000000000000000000" pitchFamily="2" charset="2"/>
+              <a:buChar char="Ø"/>
+            </a:pPr>
+            <a:r>
+              <a:rPr b="1" dirty="0"/>
+              <a:t> Dynamic UI (Expandable Sections)</a:t>
+            </a:r>
+          </a:p>
+          <a:p>
+            <a:pPr>
+              <a:buFont typeface="Wingdings" panose="05000000000000000000" pitchFamily="2" charset="2"/>
+              <a:buChar char="Ø"/>
+            </a:pPr>
+            <a:r>
+              <a:rPr b="1" dirty="0"/>
+              <a:t> Optimized SQL Queries</a:t>
+            </a:r>
+          </a:p>
+        </p:txBody>
+      </p:sp>
+    </p:spTree>
+  </p:cSld>
+  <p:clrMapOvr>
+    <a:masterClrMapping/>
+  </p:clrMapOvr>
+</p:sld>
+</file>
+
+<file path=ppt/slides/slide11.xml><?xml version="1.0" encoding="utf-8"?>
+<p:sld xmlns:a="http://schemas.openxmlformats.org/drawingml/2006/main" xmlns:r="http://schemas.openxmlformats.org/officeDocument/2006/relationships" xmlns:p="http://schemas.openxmlformats.org/presentationml/2006/main" showMasterSp="0">
+  <p:cSld>
+    <p:spTree>
+      <p:nvGrpSpPr>
+        <p:cNvPr id="1" name=""/>
+        <p:cNvGrpSpPr/>
+        <p:nvPr/>
+      </p:nvGrpSpPr>
+      <p:grpSpPr>
+        <a:xfrm>
+          <a:off x="0" y="0"/>
+          <a:ext cx="0" cy="0"/>
+          <a:chOff x="0" y="0"/>
+          <a:chExt cx="0" cy="0"/>
+        </a:xfrm>
+      </p:grpSpPr>
+      <p:sp>
+        <p:nvSpPr>
+          <p:cNvPr id="2" name="Title 1"/>
+          <p:cNvSpPr>
+            <a:spLocks noGrp="1"/>
+          </p:cNvSpPr>
+          <p:nvPr>
+            <p:ph type="title"/>
+          </p:nvPr>
+        </p:nvSpPr>
+        <p:spPr>
+          <a:xfrm>
+            <a:off x="533400" y="400879"/>
+            <a:ext cx="6554867" cy="1524000"/>
+          </a:xfrm>
+        </p:spPr>
+        <p:txBody>
+          <a:bodyPr/>
+          <a:lstStyle/>
+          <a:p>
+            <a:r>
+              <a:rPr b="1" dirty="0">
+                <a:latin typeface="Times New Roman" panose="02020603050405020304" pitchFamily="18" charset="0"/>
+                <a:cs typeface="Times New Roman" panose="02020603050405020304" pitchFamily="18" charset="0"/>
+              </a:rPr>
+              <a:t>Demo &amp; Deployment</a:t>
+            </a:r>
+          </a:p>
+        </p:txBody>
+      </p:sp>
+      <p:sp>
+        <p:nvSpPr>
+          <p:cNvPr id="3" name="Content Placeholder 2"/>
+          <p:cNvSpPr>
+            <a:spLocks noGrp="1"/>
+          </p:cNvSpPr>
+          <p:nvPr>
+            <p:ph idx="1"/>
+          </p:nvPr>
+        </p:nvSpPr>
+        <p:spPr>
+          <a:xfrm>
+            <a:off x="533400" y="1924879"/>
+            <a:ext cx="8488680" cy="2607364"/>
+          </a:xfrm>
+        </p:spPr>
+        <p:txBody>
+          <a:bodyPr/>
+          <a:lstStyle/>
+          <a:p>
+            <a:pPr>
+              <a:buFont typeface="Wingdings" panose="05000000000000000000" pitchFamily="2" charset="2"/>
+              <a:buChar char="Ø"/>
+            </a:pPr>
+            <a:r>
+              <a:rPr b="1" dirty="0"/>
+              <a:t> Local</a:t>
+            </a:r>
+            <a:r>
+              <a:rPr lang="en-US" b="1" dirty="0"/>
+              <a:t> </a:t>
+            </a:r>
+            <a:r>
+              <a:rPr b="1" dirty="0"/>
+              <a:t>: </a:t>
+            </a:r>
+            <a:r>
+              <a:rPr lang="en-US" b="1" dirty="0"/>
+              <a:t> </a:t>
+            </a:r>
+            <a:r>
+              <a:rPr b="1" dirty="0" err="1"/>
+              <a:t>streamlit</a:t>
+            </a:r>
+            <a:r>
+              <a:rPr b="1" dirty="0"/>
+              <a:t> run app.py</a:t>
+            </a:r>
+          </a:p>
+          <a:p>
+            <a:pPr>
+              <a:buFont typeface="Wingdings" panose="05000000000000000000" pitchFamily="2" charset="2"/>
+              <a:buChar char="Ø"/>
+            </a:pPr>
+            <a:r>
+              <a:rPr b="1" dirty="0"/>
+              <a:t> Cloud: </a:t>
+            </a:r>
+            <a:r>
+              <a:rPr b="1" dirty="0" err="1"/>
+              <a:t>TiDB</a:t>
+            </a:r>
+            <a:r>
+              <a:rPr b="1" dirty="0"/>
+              <a:t> Cloud for DB</a:t>
+            </a:r>
+          </a:p>
+          <a:p>
+            <a:pPr>
+              <a:buFont typeface="Wingdings" panose="05000000000000000000" pitchFamily="2" charset="2"/>
+              <a:buChar char="Ø"/>
+            </a:pPr>
+            <a:r>
+              <a:rPr b="1" dirty="0"/>
+              <a:t> Hosted with </a:t>
+            </a:r>
+            <a:r>
+              <a:rPr b="1" dirty="0" err="1"/>
+              <a:t>Streamlit</a:t>
+            </a:r>
+            <a:r>
+              <a:rPr b="1" dirty="0"/>
+              <a:t> Cloud</a:t>
+            </a:r>
+          </a:p>
+          <a:p>
+            <a:pPr>
+              <a:buFont typeface="Wingdings" panose="05000000000000000000" pitchFamily="2" charset="2"/>
+              <a:buChar char="Ø"/>
+            </a:pPr>
+            <a:r>
+              <a:rPr lang="en-US" b="1" dirty="0"/>
+              <a:t> </a:t>
+            </a:r>
+            <a:r>
+              <a:rPr b="1" dirty="0"/>
+              <a:t>GitHub:</a:t>
+            </a:r>
+            <a:r>
+              <a:rPr lang="en-IN" b="1" dirty="0"/>
+              <a:t> https://github.com/Manivannan1501/k_project.git</a:t>
+            </a:r>
+            <a:endParaRPr b="1" dirty="0"/>
+          </a:p>
+        </p:txBody>
+      </p:sp>
+    </p:spTree>
+  </p:cSld>
+  <p:clrMapOvr>
+    <a:masterClrMapping/>
+  </p:clrMapOvr>
+</p:sld>
+</file>
+
+<file path=ppt/slides/slide12.xml><?xml version="1.0" encoding="utf-8"?>
+<p:sld xmlns:a="http://schemas.openxmlformats.org/drawingml/2006/main" xmlns:r="http://schemas.openxmlformats.org/officeDocument/2006/relationships" xmlns:p="http://schemas.openxmlformats.org/presentationml/2006/main" showMasterSp="0">
+  <p:cSld>
+    <p:spTree>
+      <p:nvGrpSpPr>
+        <p:cNvPr id="1" name=""/>
+        <p:cNvGrpSpPr/>
+        <p:nvPr/>
+      </p:nvGrpSpPr>
+      <p:grpSpPr>
+        <a:xfrm>
+          <a:off x="0" y="0"/>
+          <a:ext cx="0" cy="0"/>
+          <a:chOff x="0" y="0"/>
+          <a:chExt cx="0" cy="0"/>
+        </a:xfrm>
+      </p:grpSpPr>
+      <p:sp>
+        <p:nvSpPr>
+          <p:cNvPr id="2" name="Title 1"/>
+          <p:cNvSpPr>
+            <a:spLocks noGrp="1"/>
+          </p:cNvSpPr>
+          <p:nvPr>
+            <p:ph type="title"/>
+          </p:nvPr>
+        </p:nvSpPr>
+        <p:spPr>
+          <a:xfrm>
+            <a:off x="533399" y="347870"/>
+            <a:ext cx="6554867" cy="1524000"/>
+          </a:xfrm>
+        </p:spPr>
+        <p:txBody>
+          <a:bodyPr/>
+          <a:lstStyle/>
+          <a:p>
+            <a:r>
+              <a:rPr b="1" dirty="0">
+                <a:latin typeface="Times New Roman" panose="02020603050405020304" pitchFamily="18" charset="0"/>
+                <a:cs typeface="Times New Roman" panose="02020603050405020304" pitchFamily="18" charset="0"/>
+              </a:rPr>
+              <a:t>Conclusion</a:t>
+            </a:r>
+          </a:p>
+        </p:txBody>
+      </p:sp>
+      <p:sp>
+        <p:nvSpPr>
+          <p:cNvPr id="3" name="Content Placeholder 2"/>
+          <p:cNvSpPr>
+            <a:spLocks noGrp="1"/>
+          </p:cNvSpPr>
+          <p:nvPr>
+            <p:ph idx="1"/>
+          </p:nvPr>
+        </p:nvSpPr>
+        <p:spPr>
+          <a:xfrm>
+            <a:off x="533400" y="1470991"/>
+            <a:ext cx="6554867" cy="3767670"/>
+          </a:xfrm>
+        </p:spPr>
+        <p:txBody>
+          <a:bodyPr/>
+          <a:lstStyle/>
+          <a:p>
+            <a:pPr>
+              <a:buFont typeface="Wingdings" panose="05000000000000000000" pitchFamily="2" charset="2"/>
+              <a:buChar char="Ø"/>
+            </a:pPr>
+            <a:r>
+              <a:rPr b="1" dirty="0"/>
+              <a:t> Smart inventory tracking</a:t>
+            </a:r>
+          </a:p>
+          <a:p>
+            <a:pPr>
+              <a:buFont typeface="Wingdings" panose="05000000000000000000" pitchFamily="2" charset="2"/>
+              <a:buChar char="Ø"/>
+            </a:pPr>
+            <a:r>
+              <a:rPr b="1" dirty="0"/>
+              <a:t> Real-time analytics for decision making</a:t>
+            </a:r>
+          </a:p>
+          <a:p>
+            <a:pPr>
+              <a:buFont typeface="Wingdings" panose="05000000000000000000" pitchFamily="2" charset="2"/>
+              <a:buChar char="Ø"/>
+            </a:pPr>
+            <a:r>
+              <a:rPr b="1" dirty="0"/>
+              <a:t> Easy-to-use and scalable</a:t>
+            </a:r>
+          </a:p>
+          <a:p>
+            <a:pPr>
+              <a:buFont typeface="Wingdings" panose="05000000000000000000" pitchFamily="2" charset="2"/>
+              <a:buChar char="Ø"/>
+            </a:pPr>
+            <a:r>
+              <a:rPr lang="en-US" b="1" dirty="0"/>
+              <a:t> </a:t>
+            </a:r>
+            <a:r>
+              <a:rPr b="1" dirty="0"/>
+              <a:t>Tackling food waste effectively</a:t>
+            </a:r>
+          </a:p>
+        </p:txBody>
+      </p:sp>
+    </p:spTree>
+  </p:cSld>
+  <p:clrMapOvr>
+    <a:masterClrMapping/>
+  </p:clrMapOvr>
+</p:sld>
+</file>
+
+<file path=ppt/slides/slide13.xml><?xml version="1.0" encoding="utf-8"?>
+<p:sld xmlns:a="http://schemas.openxmlformats.org/drawingml/2006/main" xmlns:r="http://schemas.openxmlformats.org/officeDocument/2006/relationships" xmlns:p="http://schemas.openxmlformats.org/presentationml/2006/main" showMasterSp="0">
+  <p:cSld>
+    <p:spTree>
+      <p:nvGrpSpPr>
+        <p:cNvPr id="1" name=""/>
+        <p:cNvGrpSpPr/>
+        <p:nvPr/>
+      </p:nvGrpSpPr>
+      <p:grpSpPr>
+        <a:xfrm>
+          <a:off x="0" y="0"/>
+          <a:ext cx="0" cy="0"/>
+          <a:chOff x="0" y="0"/>
+          <a:chExt cx="0" cy="0"/>
+        </a:xfrm>
+      </p:grpSpPr>
+      <p:sp>
+        <p:nvSpPr>
+          <p:cNvPr id="2" name="Title 1"/>
+          <p:cNvSpPr>
+            <a:spLocks noGrp="1"/>
+          </p:cNvSpPr>
+          <p:nvPr>
+            <p:ph type="title"/>
+          </p:nvPr>
+        </p:nvSpPr>
+        <p:spPr>
+          <a:xfrm>
+            <a:off x="533399" y="361122"/>
+            <a:ext cx="6554867" cy="1524000"/>
+          </a:xfrm>
+        </p:spPr>
+        <p:txBody>
+          <a:bodyPr/>
+          <a:lstStyle/>
+          <a:p>
+            <a:r>
+              <a:rPr b="1" dirty="0">
+                <a:latin typeface="Times New Roman" panose="02020603050405020304" pitchFamily="18" charset="0"/>
+                <a:cs typeface="Times New Roman" panose="02020603050405020304" pitchFamily="18" charset="0"/>
+              </a:rPr>
+              <a:t>Contact &amp; Q&amp;A</a:t>
+            </a:r>
+          </a:p>
+        </p:txBody>
+      </p:sp>
+      <p:sp>
+        <p:nvSpPr>
+          <p:cNvPr id="3" name="Content Placeholder 2"/>
+          <p:cNvSpPr>
+            <a:spLocks noGrp="1"/>
+          </p:cNvSpPr>
+          <p:nvPr>
+            <p:ph idx="1"/>
+          </p:nvPr>
+        </p:nvSpPr>
+        <p:spPr>
+          <a:xfrm>
+            <a:off x="533399" y="1490130"/>
+            <a:ext cx="7921487" cy="3767670"/>
+          </a:xfrm>
+        </p:spPr>
+        <p:txBody>
+          <a:bodyPr/>
+          <a:lstStyle/>
+          <a:p>
+            <a:pPr>
+              <a:buFont typeface="Wingdings" panose="05000000000000000000" pitchFamily="2" charset="2"/>
+              <a:buChar char="Ø"/>
+            </a:pPr>
+            <a:r>
+              <a:rPr b="1" dirty="0"/>
+              <a:t>GitHub:</a:t>
+            </a:r>
+            <a:r>
+              <a:rPr lang="en-IN" b="1" dirty="0"/>
+              <a:t> https://github.com/Manivannan1501/k_project.git</a:t>
+            </a:r>
+          </a:p>
+          <a:p>
+            <a:pPr>
+              <a:buFont typeface="Wingdings" panose="05000000000000000000" pitchFamily="2" charset="2"/>
+              <a:buChar char="Ø"/>
+            </a:pPr>
+            <a:r>
+              <a:rPr b="1" dirty="0"/>
+              <a:t>Email:</a:t>
+            </a:r>
+            <a:r>
+              <a:rPr lang="en-IN" b="1" dirty="0"/>
+              <a:t> manivannank1503@gmail.com</a:t>
+            </a:r>
+            <a:endParaRPr b="1" dirty="0"/>
+          </a:p>
+          <a:p>
+            <a:pPr>
+              <a:buFont typeface="Wingdings" panose="05000000000000000000" pitchFamily="2" charset="2"/>
+              <a:buChar char="Ø"/>
+            </a:pPr>
+            <a:r>
+              <a:rPr b="1" dirty="0"/>
+              <a:t>T</a:t>
+            </a:r>
+            <a:r>
+              <a:rPr lang="en-IN" b="1" dirty="0"/>
+              <a:t>HANK YOU</a:t>
+            </a:r>
+            <a:r>
+              <a:rPr b="1" dirty="0"/>
+              <a:t>!</a:t>
+            </a:r>
+          </a:p>
+        </p:txBody>
+      </p:sp>
+    </p:spTree>
+  </p:cSld>
+  <p:clrMapOvr>
+    <a:masterClrMapping/>
+  </p:clrMapOvr>
+</p:sld>
+</file>
+
+<file path=ppt/slides/slide2.xml><?xml version="1.0" encoding="utf-8"?>
+<p:sld xmlns:a="http://schemas.openxmlformats.org/drawingml/2006/main" xmlns:r="http://schemas.openxmlformats.org/officeDocument/2006/relationships" xmlns:p="http://schemas.openxmlformats.org/presentationml/2006/main" showMasterSp="0">
+  <p:cSld>
+    <p:spTree>
+      <p:nvGrpSpPr>
+        <p:cNvPr id="1" name=""/>
+        <p:cNvGrpSpPr/>
+        <p:nvPr/>
+      </p:nvGrpSpPr>
+      <p:grpSpPr>
+        <a:xfrm>
+          <a:off x="0" y="0"/>
+          <a:ext cx="0" cy="0"/>
+          <a:chOff x="0" y="0"/>
+          <a:chExt cx="0" cy="0"/>
+        </a:xfrm>
+      </p:grpSpPr>
+      <p:sp>
+        <p:nvSpPr>
+          <p:cNvPr id="2" name="Title 1"/>
+          <p:cNvSpPr>
+            <a:spLocks noGrp="1"/>
+          </p:cNvSpPr>
+          <p:nvPr>
+            <p:ph type="title"/>
+          </p:nvPr>
+        </p:nvSpPr>
+        <p:spPr>
+          <a:xfrm>
+            <a:off x="457199" y="434340"/>
+            <a:ext cx="8229600" cy="1188720"/>
+          </a:xfrm>
+        </p:spPr>
+        <p:txBody>
+          <a:bodyPr>
+            <a:normAutofit/>
+          </a:bodyPr>
+          <a:lstStyle/>
+          <a:p>
+            <a:r>
+              <a:rPr b="1" dirty="0">
+                <a:latin typeface="Times New Roman" panose="02020603050405020304" pitchFamily="18" charset="0"/>
+                <a:cs typeface="Times New Roman" panose="02020603050405020304" pitchFamily="18" charset="0"/>
+              </a:rPr>
+              <a:t>Agenda</a:t>
+            </a:r>
+          </a:p>
+        </p:txBody>
+      </p:sp>
+      <p:sp>
+        <p:nvSpPr>
+          <p:cNvPr id="3" name="Content Placeholder 2"/>
+          <p:cNvSpPr>
+            <a:spLocks noGrp="1"/>
+          </p:cNvSpPr>
+          <p:nvPr>
+            <p:ph idx="1"/>
+          </p:nvPr>
+        </p:nvSpPr>
+        <p:spPr>
+          <a:xfrm>
+            <a:off x="647699" y="1668780"/>
+            <a:ext cx="8039100" cy="4754880"/>
+          </a:xfrm>
+        </p:spPr>
+        <p:txBody>
+          <a:bodyPr numCol="2">
+            <a:normAutofit/>
+          </a:bodyPr>
+          <a:lstStyle/>
+          <a:p>
+            <a:pPr>
+              <a:buFont typeface="Wingdings" panose="05000000000000000000" pitchFamily="2" charset="2"/>
+              <a:buChar char="Ø"/>
+            </a:pPr>
+            <a:r>
+              <a:rPr b="1" dirty="0"/>
+              <a:t> Project Overview</a:t>
+            </a:r>
+          </a:p>
+          <a:p>
+            <a:pPr>
+              <a:buFont typeface="Wingdings" panose="05000000000000000000" pitchFamily="2" charset="2"/>
+              <a:buChar char="Ø"/>
+            </a:pPr>
+            <a:r>
+              <a:rPr b="1" dirty="0"/>
+              <a:t> Problem Statement</a:t>
+            </a:r>
+          </a:p>
+          <a:p>
+            <a:pPr>
+              <a:buFont typeface="Wingdings" panose="05000000000000000000" pitchFamily="2" charset="2"/>
+              <a:buChar char="Ø"/>
+            </a:pPr>
+            <a:r>
+              <a:rPr b="1" dirty="0"/>
+              <a:t> Solution Architecture</a:t>
+            </a:r>
+          </a:p>
+          <a:p>
+            <a:pPr>
+              <a:buFont typeface="Wingdings" panose="05000000000000000000" pitchFamily="2" charset="2"/>
+              <a:buChar char="Ø"/>
+            </a:pPr>
+            <a:r>
+              <a:rPr b="1" dirty="0"/>
+              <a:t> Key Features</a:t>
+            </a:r>
+          </a:p>
+          <a:p>
+            <a:pPr>
+              <a:buFont typeface="Wingdings" panose="05000000000000000000" pitchFamily="2" charset="2"/>
+              <a:buChar char="Ø"/>
+            </a:pPr>
+            <a:r>
+              <a:rPr b="1" dirty="0"/>
+              <a:t> Database Design</a:t>
+            </a:r>
+          </a:p>
+          <a:p>
+            <a:pPr>
+              <a:buFont typeface="Wingdings" panose="05000000000000000000" pitchFamily="2" charset="2"/>
+              <a:buChar char="Ø"/>
+            </a:pPr>
+            <a:r>
+              <a:rPr b="1" dirty="0"/>
+              <a:t> Application Workflow</a:t>
+            </a:r>
+          </a:p>
+          <a:p>
+            <a:pPr>
+              <a:buFont typeface="Wingdings" panose="05000000000000000000" pitchFamily="2" charset="2"/>
+              <a:buChar char="Ø"/>
+            </a:pPr>
+            <a:r>
+              <a:rPr b="1" dirty="0"/>
+              <a:t> Analytics &amp; Reporting</a:t>
+            </a:r>
+          </a:p>
+          <a:p>
+            <a:pPr>
+              <a:buFont typeface="Wingdings" panose="05000000000000000000" pitchFamily="2" charset="2"/>
+              <a:buChar char="Ø"/>
+            </a:pPr>
+            <a:r>
+              <a:rPr lang="en-US" b="1" dirty="0"/>
+              <a:t> </a:t>
+            </a:r>
+            <a:r>
+              <a:rPr b="1" dirty="0"/>
+              <a:t>Implementation </a:t>
+            </a:r>
+            <a:r>
+              <a:rPr lang="en-US" b="1" dirty="0"/>
+              <a:t>   </a:t>
+            </a:r>
+            <a:r>
+              <a:rPr b="1" dirty="0"/>
+              <a:t>Highlight</a:t>
+            </a:r>
+            <a:r>
+              <a:rPr lang="en-IN" b="1" dirty="0"/>
+              <a:t>s</a:t>
+            </a:r>
+          </a:p>
+          <a:p>
+            <a:pPr>
+              <a:buFont typeface="Wingdings" panose="05000000000000000000" pitchFamily="2" charset="2"/>
+              <a:buChar char="Ø"/>
+            </a:pPr>
+            <a:r>
+              <a:rPr lang="en-US" b="1" dirty="0"/>
+              <a:t> </a:t>
+            </a:r>
+            <a:r>
+              <a:rPr b="1" dirty="0"/>
+              <a:t>Demo &amp; Deployment</a:t>
+            </a:r>
+          </a:p>
+          <a:p>
+            <a:pPr>
+              <a:buFont typeface="Wingdings" panose="05000000000000000000" pitchFamily="2" charset="2"/>
+              <a:buChar char="Ø"/>
+            </a:pPr>
+            <a:r>
+              <a:rPr b="1" dirty="0"/>
+              <a:t> Conclusion</a:t>
+            </a:r>
+          </a:p>
+        </p:txBody>
+      </p:sp>
+    </p:spTree>
+  </p:cSld>
+  <p:clrMapOvr>
+    <a:masterClrMapping/>
+  </p:clrMapOvr>
+</p:sld>
+</file>
+
+<file path=ppt/slides/slide3.xml><?xml version="1.0" encoding="utf-8"?>
+<p:sld xmlns:a="http://schemas.openxmlformats.org/drawingml/2006/main" xmlns:r="http://schemas.openxmlformats.org/officeDocument/2006/relationships" xmlns:p="http://schemas.openxmlformats.org/presentationml/2006/main" showMasterSp="0">
+  <p:cSld>
+    <p:spTree>
+      <p:nvGrpSpPr>
+        <p:cNvPr id="1" name=""/>
+        <p:cNvGrpSpPr/>
+        <p:nvPr/>
+      </p:nvGrpSpPr>
+      <p:grpSpPr>
+        <a:xfrm>
+          <a:off x="0" y="0"/>
+          <a:ext cx="0" cy="0"/>
+          <a:chOff x="0" y="0"/>
+          <a:chExt cx="0" cy="0"/>
+        </a:xfrm>
+      </p:grpSpPr>
+      <p:sp>
+        <p:nvSpPr>
+          <p:cNvPr id="2" name="Title 1"/>
+          <p:cNvSpPr>
+            <a:spLocks noGrp="1"/>
+          </p:cNvSpPr>
+          <p:nvPr>
+            <p:ph type="title"/>
+          </p:nvPr>
+        </p:nvSpPr>
+        <p:spPr>
+          <a:xfrm>
+            <a:off x="457200" y="586409"/>
+            <a:ext cx="6554867" cy="1524000"/>
+          </a:xfrm>
+        </p:spPr>
+        <p:txBody>
+          <a:bodyPr/>
+          <a:lstStyle/>
+          <a:p>
+            <a:r>
+              <a:rPr b="1" dirty="0">
+                <a:latin typeface="Times New Roman" panose="02020603050405020304" pitchFamily="18" charset="0"/>
+                <a:cs typeface="Times New Roman" panose="02020603050405020304" pitchFamily="18" charset="0"/>
+              </a:rPr>
+              <a:t>Project Overview</a:t>
+            </a:r>
+          </a:p>
+        </p:txBody>
+      </p:sp>
+      <p:sp>
+        <p:nvSpPr>
+          <p:cNvPr id="3" name="Content Placeholder 2"/>
+          <p:cNvSpPr>
+            <a:spLocks noGrp="1"/>
+          </p:cNvSpPr>
+          <p:nvPr>
+            <p:ph idx="1"/>
+          </p:nvPr>
+        </p:nvSpPr>
+        <p:spPr>
+          <a:xfrm>
+            <a:off x="457200" y="1600201"/>
+            <a:ext cx="8229600" cy="3467100"/>
+          </a:xfrm>
+        </p:spPr>
+        <p:txBody>
+          <a:bodyPr/>
+          <a:lstStyle/>
+          <a:p>
+            <a:pPr>
+              <a:buFont typeface="Wingdings" panose="05000000000000000000" pitchFamily="2" charset="2"/>
+              <a:buChar char="Ø"/>
+            </a:pPr>
+            <a:r>
+              <a:rPr b="1" dirty="0"/>
+              <a:t> Purpose: Connect food providers with receivers</a:t>
+            </a:r>
+          </a:p>
+          <a:p>
+            <a:pPr>
+              <a:buFont typeface="Wingdings" panose="05000000000000000000" pitchFamily="2" charset="2"/>
+              <a:buChar char="Ø"/>
+            </a:pPr>
+            <a:r>
+              <a:rPr b="1" dirty="0"/>
+              <a:t> Target Users: NGOs, Restaurants, Shelters</a:t>
+            </a:r>
+          </a:p>
+          <a:p>
+            <a:pPr>
+              <a:buFont typeface="Wingdings" panose="05000000000000000000" pitchFamily="2" charset="2"/>
+              <a:buChar char="Ø"/>
+            </a:pPr>
+            <a:r>
+              <a:rPr lang="en-US" b="1" dirty="0"/>
+              <a:t> </a:t>
+            </a:r>
+            <a:r>
+              <a:rPr b="1" dirty="0"/>
+              <a:t>Technology Stack: Python, Streamlit, MySQL (TiDB Cloud)</a:t>
+            </a:r>
+          </a:p>
+        </p:txBody>
+      </p:sp>
+    </p:spTree>
+  </p:cSld>
+  <p:clrMapOvr>
+    <a:masterClrMapping/>
+  </p:clrMapOvr>
+</p:sld>
+</file>
+
+<file path=ppt/slides/slide4.xml><?xml version="1.0" encoding="utf-8"?>
+<p:sld xmlns:a="http://schemas.openxmlformats.org/drawingml/2006/main" xmlns:r="http://schemas.openxmlformats.org/officeDocument/2006/relationships" xmlns:p="http://schemas.openxmlformats.org/presentationml/2006/main" showMasterSp="0">
+  <p:cSld>
+    <p:spTree>
+      <p:nvGrpSpPr>
+        <p:cNvPr id="1" name=""/>
+        <p:cNvGrpSpPr/>
+        <p:nvPr/>
+      </p:nvGrpSpPr>
+      <p:grpSpPr>
+        <a:xfrm>
+          <a:off x="0" y="0"/>
+          <a:ext cx="0" cy="0"/>
+          <a:chOff x="0" y="0"/>
+          <a:chExt cx="0" cy="0"/>
+        </a:xfrm>
+      </p:grpSpPr>
+      <p:sp>
+        <p:nvSpPr>
+          <p:cNvPr id="2" name="Title 1"/>
+          <p:cNvSpPr>
+            <a:spLocks noGrp="1"/>
+          </p:cNvSpPr>
+          <p:nvPr>
+            <p:ph type="title"/>
+          </p:nvPr>
+        </p:nvSpPr>
+        <p:spPr>
+          <a:xfrm>
+            <a:off x="457200" y="215348"/>
+            <a:ext cx="6554867" cy="1524000"/>
+          </a:xfrm>
+        </p:spPr>
+        <p:txBody>
+          <a:bodyPr/>
+          <a:lstStyle/>
+          <a:p>
+            <a:r>
+              <a:rPr b="1" dirty="0">
+                <a:latin typeface="Times New Roman" panose="02020603050405020304" pitchFamily="18" charset="0"/>
+                <a:cs typeface="Times New Roman" panose="02020603050405020304" pitchFamily="18" charset="0"/>
+              </a:rPr>
+              <a:t>Problem Statement</a:t>
+            </a:r>
+          </a:p>
+        </p:txBody>
+      </p:sp>
+      <p:sp>
+        <p:nvSpPr>
+          <p:cNvPr id="3" name="Content Placeholder 2"/>
+          <p:cNvSpPr>
+            <a:spLocks noGrp="1"/>
+          </p:cNvSpPr>
+          <p:nvPr>
+            <p:ph idx="1"/>
+          </p:nvPr>
+        </p:nvSpPr>
+        <p:spPr>
+          <a:xfrm>
+            <a:off x="457200" y="1600201"/>
+            <a:ext cx="8229600" cy="3192780"/>
+          </a:xfrm>
+        </p:spPr>
+        <p:txBody>
+          <a:bodyPr>
+            <a:normAutofit/>
+          </a:bodyPr>
+          <a:lstStyle/>
+          <a:p>
+            <a:pPr>
+              <a:buFont typeface="Wingdings" panose="05000000000000000000" pitchFamily="2" charset="2"/>
+              <a:buChar char="Ø"/>
+            </a:pPr>
+            <a:r>
+              <a:rPr b="1" dirty="0"/>
+              <a:t> 1.3B tones of food wasted globally per year</a:t>
+            </a:r>
+          </a:p>
+          <a:p>
+            <a:pPr>
+              <a:buFont typeface="Wingdings" panose="05000000000000000000" pitchFamily="2" charset="2"/>
+              <a:buChar char="Ø"/>
+            </a:pPr>
+            <a:r>
+              <a:rPr b="1" dirty="0"/>
+              <a:t> 690M people go hungry</a:t>
+            </a:r>
+          </a:p>
+          <a:p>
+            <a:pPr>
+              <a:buFont typeface="Wingdings" panose="05000000000000000000" pitchFamily="2" charset="2"/>
+              <a:buChar char="Ø"/>
+            </a:pPr>
+            <a:r>
+              <a:rPr b="1" dirty="0"/>
+              <a:t> No link between surplus and demand</a:t>
+            </a:r>
+          </a:p>
+          <a:p>
+            <a:pPr>
+              <a:buFont typeface="Wingdings" panose="05000000000000000000" pitchFamily="2" charset="2"/>
+              <a:buChar char="Ø"/>
+            </a:pPr>
+            <a:r>
+              <a:rPr lang="en-US" b="1" dirty="0"/>
+              <a:t> </a:t>
+            </a:r>
+            <a:r>
+              <a:rPr b="1" dirty="0"/>
+              <a:t>Lack of efficient tracking systems</a:t>
+            </a:r>
+          </a:p>
+        </p:txBody>
+      </p:sp>
+    </p:spTree>
+  </p:cSld>
+  <p:clrMapOvr>
+    <a:masterClrMapping/>
+  </p:clrMapOvr>
+</p:sld>
+</file>
+
+<file path=ppt/slides/slide5.xml><?xml version="1.0" encoding="utf-8"?>
+<p:sld xmlns:a="http://schemas.openxmlformats.org/drawingml/2006/main" xmlns:r="http://schemas.openxmlformats.org/officeDocument/2006/relationships" xmlns:p="http://schemas.openxmlformats.org/presentationml/2006/main" showMasterSp="0">
+  <p:cSld>
+    <p:bg>
       <p:bgPr>
-        <a:blipFill dpi="0" rotWithShape="1">
-          <a:blip r:embed="rId2">
-            <a:alphaModFix amt="92000"/>
-          </a:blip>
-          <a:srcRect/>
-          <a:tile tx="0" ty="0" sx="100000" sy="100000" flip="none" algn="tl"/>
-        </a:blipFill>
+        <a:gradFill flip="none" rotWithShape="1">
+          <a:gsLst>
+            <a:gs pos="5000">
+              <a:schemeClr val="accent1">
+                <a:lumMod val="5000"/>
+                <a:lumOff val="95000"/>
+              </a:schemeClr>
+            </a:gs>
+            <a:gs pos="74000">
+              <a:schemeClr val="accent1">
+                <a:lumMod val="45000"/>
+                <a:lumOff val="55000"/>
+              </a:schemeClr>
+            </a:gs>
+            <a:gs pos="83000">
+              <a:schemeClr val="accent1">
+                <a:lumMod val="45000"/>
+                <a:lumOff val="55000"/>
+              </a:schemeClr>
+            </a:gs>
+            <a:gs pos="100000">
+              <a:schemeClr val="accent1">
+                <a:lumMod val="30000"/>
+                <a:lumOff val="70000"/>
+              </a:schemeClr>
+            </a:gs>
+          </a:gsLst>
+          <a:lin ang="5400000" scaled="1"/>
+          <a:tileRect/>
+        </a:gradFill>
         <a:effectLst/>
       </p:bgPr>
     </p:bg>
@@ -5929,13 +7112,13 @@
             <a:spLocks noGrp="1"/>
           </p:cNvSpPr>
           <p:nvPr>
-            <p:ph type="ctrTitle"/>
+            <p:ph type="title"/>
           </p:nvPr>
         </p:nvSpPr>
         <p:spPr>
           <a:xfrm>
-            <a:off x="137081" y="885256"/>
-            <a:ext cx="8363932" cy="1470025"/>
+            <a:off x="457200" y="294861"/>
+            <a:ext cx="6554867" cy="1524000"/>
           </a:xfrm>
         </p:spPr>
         <p:txBody>
@@ -5944,170 +7127,97 @@
           <a:p>
             <a:r>
               <a:rPr b="1" dirty="0">
-                <a:highlight>
-                  <a:srgbClr val="808080"/>
-                </a:highlight>
                 <a:latin typeface="Times New Roman" panose="02020603050405020304" pitchFamily="18" charset="0"/>
                 <a:cs typeface="Times New Roman" panose="02020603050405020304" pitchFamily="18" charset="0"/>
               </a:rPr>
-              <a:t>Local Food Wastage Management System</a:t>
-            </a:r>
-          </a:p>
-        </p:txBody>
-      </p:sp>
-      <p:sp>
-        <p:nvSpPr>
-          <p:cNvPr id="3" name="Subtitle 2"/>
-          <p:cNvSpPr>
-            <a:spLocks noGrp="1"/>
-          </p:cNvSpPr>
-          <p:nvPr>
-            <p:ph type="subTitle" idx="1"/>
+              <a:t>Solution Architecture</a:t>
+            </a:r>
+          </a:p>
+        </p:txBody>
+      </p:sp>
+      <p:sp>
+        <p:nvSpPr>
+          <p:cNvPr id="3" name="Content Placeholder 2"/>
+          <p:cNvSpPr>
+            <a:spLocks noGrp="1"/>
+          </p:cNvSpPr>
+          <p:nvPr>
+            <p:ph idx="1"/>
           </p:nvPr>
         </p:nvSpPr>
         <p:spPr>
           <a:xfrm>
-            <a:off x="198528" y="2924024"/>
-            <a:ext cx="8241037" cy="2096211"/>
+            <a:off x="457200" y="1600201"/>
+            <a:ext cx="8229600" cy="3291840"/>
           </a:xfrm>
         </p:spPr>
         <p:txBody>
-          <a:bodyPr>
-            <a:normAutofit/>
-          </a:bodyPr>
-          <a:lstStyle/>
-          <a:p>
-            <a:r>
-              <a:rPr lang="en-US" dirty="0">
-                <a:solidFill>
-                  <a:srgbClr val="0070C0"/>
-                </a:solidFill>
-                <a:latin typeface="Arial" panose="020B0604020202020204" pitchFamily="34" charset="0"/>
-                <a:cs typeface="Arial" panose="020B0604020202020204" pitchFamily="34" charset="0"/>
-              </a:rPr>
-              <a:t>       </a:t>
-            </a:r>
-            <a:r>
-              <a:rPr dirty="0">
-                <a:solidFill>
-                  <a:srgbClr val="0070C0"/>
-                </a:solidFill>
-                <a:latin typeface="Arial" panose="020B0604020202020204" pitchFamily="34" charset="0"/>
-                <a:cs typeface="Arial" panose="020B0604020202020204" pitchFamily="34" charset="0"/>
-              </a:rPr>
-              <a:t>A</a:t>
-            </a:r>
-            <a:r>
-              <a:rPr lang="en-US" dirty="0">
-                <a:solidFill>
-                  <a:srgbClr val="0070C0"/>
-                </a:solidFill>
-                <a:latin typeface="Arial" panose="020B0604020202020204" pitchFamily="34" charset="0"/>
-                <a:cs typeface="Arial" panose="020B0604020202020204" pitchFamily="34" charset="0"/>
-              </a:rPr>
-              <a:t> </a:t>
-            </a:r>
-            <a:r>
-              <a:rPr dirty="0">
-                <a:solidFill>
-                  <a:srgbClr val="0070C0"/>
-                </a:solidFill>
-                <a:latin typeface="Arial" panose="020B0604020202020204" pitchFamily="34" charset="0"/>
-                <a:cs typeface="Arial" panose="020B0604020202020204" pitchFamily="34" charset="0"/>
-              </a:rPr>
-              <a:t>Solution to Reduce Food </a:t>
-            </a:r>
-            <a:r>
-              <a:rPr lang="en-US" dirty="0">
-                <a:solidFill>
-                  <a:srgbClr val="0070C0"/>
-                </a:solidFill>
-                <a:latin typeface="Arial" panose="020B0604020202020204" pitchFamily="34" charset="0"/>
-                <a:cs typeface="Arial" panose="020B0604020202020204" pitchFamily="34" charset="0"/>
-              </a:rPr>
-              <a:t> </a:t>
-            </a:r>
-            <a:r>
-              <a:rPr dirty="0">
-                <a:solidFill>
-                  <a:srgbClr val="0070C0"/>
-                </a:solidFill>
-                <a:latin typeface="Arial" panose="020B0604020202020204" pitchFamily="34" charset="0"/>
-                <a:cs typeface="Arial" panose="020B0604020202020204" pitchFamily="34" charset="0"/>
-              </a:rPr>
-              <a:t>Waste</a:t>
-            </a:r>
-            <a:endParaRPr lang="en-US" dirty="0">
-              <a:solidFill>
-                <a:srgbClr val="0070C0"/>
-              </a:solidFill>
-              <a:latin typeface="Arial" panose="020B0604020202020204" pitchFamily="34" charset="0"/>
-              <a:cs typeface="Arial" panose="020B0604020202020204" pitchFamily="34" charset="0"/>
-            </a:endParaRPr>
-          </a:p>
-          <a:p>
-            <a:endParaRPr dirty="0">
-              <a:solidFill>
-                <a:srgbClr val="0070C0"/>
-              </a:solidFill>
-              <a:latin typeface="Arial" panose="020B0604020202020204" pitchFamily="34" charset="0"/>
-              <a:cs typeface="Arial" panose="020B0604020202020204" pitchFamily="34" charset="0"/>
-            </a:endParaRPr>
-          </a:p>
-          <a:p>
-            <a:r>
-              <a:rPr dirty="0">
-                <a:solidFill>
-                  <a:srgbClr val="00B050"/>
-                </a:solidFill>
-                <a:latin typeface="Arial" panose="020B0604020202020204" pitchFamily="34" charset="0"/>
-                <a:cs typeface="Arial" panose="020B0604020202020204" pitchFamily="34" charset="0"/>
-              </a:rPr>
-              <a:t>Presented by: </a:t>
-            </a:r>
-            <a:r>
-              <a:rPr lang="en-US" b="1" dirty="0">
-                <a:solidFill>
-                  <a:schemeClr val="tx1"/>
-                </a:solidFill>
-                <a:latin typeface="Arial" panose="020B0604020202020204" pitchFamily="34" charset="0"/>
-                <a:cs typeface="Arial" panose="020B0604020202020204" pitchFamily="34" charset="0"/>
-              </a:rPr>
-              <a:t>MANIVANNAN K</a:t>
-            </a:r>
-            <a:endParaRPr b="1" dirty="0">
-              <a:solidFill>
-                <a:schemeClr val="tx1"/>
-              </a:solidFill>
-              <a:latin typeface="Arial" panose="020B0604020202020204" pitchFamily="34" charset="0"/>
-              <a:cs typeface="Arial" panose="020B0604020202020204" pitchFamily="34" charset="0"/>
-            </a:endParaRPr>
+          <a:bodyPr/>
+          <a:lstStyle/>
+          <a:p>
+            <a:pPr>
+              <a:buFont typeface="Wingdings" panose="05000000000000000000" pitchFamily="2" charset="2"/>
+              <a:buChar char="Ø"/>
+            </a:pPr>
+            <a:r>
+              <a:rPr b="1" dirty="0"/>
+              <a:t> Frontend: </a:t>
+            </a:r>
+            <a:r>
+              <a:rPr b="1" dirty="0" err="1"/>
+              <a:t>Streamlit</a:t>
+            </a:r>
+            <a:r>
+              <a:rPr b="1" dirty="0"/>
+              <a:t> Web App</a:t>
+            </a:r>
+          </a:p>
+          <a:p>
+            <a:pPr>
+              <a:buFont typeface="Wingdings" panose="05000000000000000000" pitchFamily="2" charset="2"/>
+              <a:buChar char="Ø"/>
+            </a:pPr>
+            <a:r>
+              <a:rPr b="1" dirty="0"/>
+              <a:t> Backend: MySQL (</a:t>
+            </a:r>
+            <a:r>
+              <a:rPr b="1" dirty="0" err="1"/>
+              <a:t>TiDB</a:t>
+            </a:r>
+            <a:r>
+              <a:rPr b="1" dirty="0"/>
+              <a:t> Cloud)</a:t>
+            </a:r>
+          </a:p>
+          <a:p>
+            <a:pPr>
+              <a:buFont typeface="Wingdings" panose="05000000000000000000" pitchFamily="2" charset="2"/>
+              <a:buChar char="Ø"/>
+            </a:pPr>
+            <a:r>
+              <a:rPr b="1" dirty="0"/>
+              <a:t> Modules: Food Management, Provider Tracking, Expiry Monitoring, Analytics</a:t>
+            </a:r>
+            <a:r>
+              <a:rPr lang="en-US" b="1" dirty="0"/>
+              <a:t>.</a:t>
+            </a:r>
+            <a:endParaRPr b="1" dirty="0"/>
           </a:p>
         </p:txBody>
       </p:sp>
     </p:spTree>
   </p:cSld>
   <p:clrMapOvr>
-    <a:masterClrMapping/>
+    <a:overrideClrMapping bg1="dk1" tx1="lt1" bg2="dk2" tx2="lt2" accent1="accent1" accent2="accent2" accent3="accent3" accent4="accent4" accent5="accent5" accent6="accent6" hlink="hlink" folHlink="folHlink"/>
   </p:clrMapOvr>
 </p:sld>
 </file>
 
-<file path=ppt/slides/slide10.xml><?xml version="1.0" encoding="utf-8"?>
-<p:sld xmlns:a="http://schemas.openxmlformats.org/drawingml/2006/main" xmlns:r="http://schemas.openxmlformats.org/officeDocument/2006/relationships" xmlns:p="http://schemas.openxmlformats.org/presentationml/2006/main">
+<file path=ppt/slides/slide6.xml><?xml version="1.0" encoding="utf-8"?>
+<p:sld xmlns:a="http://schemas.openxmlformats.org/drawingml/2006/main" xmlns:r="http://schemas.openxmlformats.org/officeDocument/2006/relationships" xmlns:p="http://schemas.openxmlformats.org/presentationml/2006/main" showMasterSp="0">
   <p:cSld>
-    <p:bg>
-      <p:bgPr>
-        <a:blipFill dpi="0" rotWithShape="1">
-          <a:blip r:embed="rId2">
-            <a:alphaModFix amt="92000"/>
-          </a:blip>
-          <a:srcRect/>
-          <a:tile tx="0" ty="0" sx="100000" sy="100000" flip="none" algn="tl"/>
-        </a:blipFill>
-        <a:effectLst/>
-      </p:bgPr>
-    </p:bg>
     <p:spTree>
       <p:nvGrpSpPr>
         <p:cNvPr id="1" name=""/>
@@ -6134,7 +7244,7 @@
         </p:nvSpPr>
         <p:spPr>
           <a:xfrm>
-            <a:off x="533399" y="294861"/>
+            <a:off x="533400" y="307373"/>
             <a:ext cx="6554867" cy="1524000"/>
           </a:xfrm>
         </p:spPr>
@@ -6143,11 +7253,11 @@
           <a:lstStyle/>
           <a:p>
             <a:r>
-              <a:rPr dirty="0">
+              <a:rPr b="1" dirty="0">
                 <a:latin typeface="Times New Roman" panose="02020603050405020304" pitchFamily="18" charset="0"/>
                 <a:cs typeface="Times New Roman" panose="02020603050405020304" pitchFamily="18" charset="0"/>
               </a:rPr>
-              <a:t>Implementation Highlights</a:t>
+              <a:t>Key Features</a:t>
             </a:r>
           </a:p>
         </p:txBody>
@@ -6164,7 +7274,7 @@
         </p:nvSpPr>
         <p:spPr>
           <a:xfrm>
-            <a:off x="533400" y="1056861"/>
+            <a:off x="533400" y="1524000"/>
             <a:ext cx="6554867" cy="3767670"/>
           </a:xfrm>
         </p:spPr>
@@ -6177,8 +7287,15 @@
               <a:buChar char="Ø"/>
             </a:pPr>
             <a:r>
-              <a:rPr dirty="0"/>
-              <a:t> Robust Error Handling</a:t>
+              <a:rPr b="1" dirty="0"/>
+              <a:t> </a:t>
+            </a:r>
+            <a:r>
+              <a:rPr b="1" dirty="0">
+                <a:latin typeface="+mj-lt"/>
+                <a:cs typeface="Times New Roman" panose="02020603050405020304" pitchFamily="18" charset="0"/>
+              </a:rPr>
+              <a:t>Food CRUD Operations</a:t>
             </a:r>
           </a:p>
           <a:p>
@@ -6187,8 +7304,11 @@
               <a:buChar char="Ø"/>
             </a:pPr>
             <a:r>
-              <a:rPr dirty="0"/>
-              <a:t> Validated User Inputs</a:t>
+              <a:rPr b="1" dirty="0">
+                <a:latin typeface="+mj-lt"/>
+                <a:cs typeface="Times New Roman" panose="02020603050405020304" pitchFamily="18" charset="0"/>
+              </a:rPr>
+              <a:t> Provider &amp; Location Details</a:t>
             </a:r>
           </a:p>
           <a:p>
@@ -6197,8 +7317,11 @@
               <a:buChar char="Ø"/>
             </a:pPr>
             <a:r>
-              <a:rPr dirty="0"/>
-              <a:t> Dynamic UI (Expandable Sections)</a:t>
+              <a:rPr b="1" dirty="0">
+                <a:latin typeface="+mj-lt"/>
+                <a:cs typeface="Times New Roman" panose="02020603050405020304" pitchFamily="18" charset="0"/>
+              </a:rPr>
+              <a:t> Expiry Tracking</a:t>
             </a:r>
           </a:p>
           <a:p>
@@ -6207,8 +7330,28 @@
               <a:buChar char="Ø"/>
             </a:pPr>
             <a:r>
-              <a:rPr dirty="0"/>
-              <a:t> Optimized SQL Queries</a:t>
+              <a:rPr b="1" dirty="0">
+                <a:latin typeface="+mj-lt"/>
+                <a:cs typeface="Times New Roman" panose="02020603050405020304" pitchFamily="18" charset="0"/>
+              </a:rPr>
+              <a:t> Pre-Built SQL Analytics Queries</a:t>
+            </a:r>
+            <a:endParaRPr lang="en-IN" b="1" dirty="0">
+              <a:latin typeface="+mj-lt"/>
+              <a:cs typeface="Times New Roman" panose="02020603050405020304" pitchFamily="18" charset="0"/>
+            </a:endParaRPr>
+          </a:p>
+          <a:p>
+            <a:pPr>
+              <a:buFont typeface="Wingdings" panose="05000000000000000000" pitchFamily="2" charset="2"/>
+              <a:buChar char="Ø"/>
+            </a:pPr>
+            <a:r>
+              <a:rPr lang="en-IN" b="1" dirty="0">
+                <a:latin typeface="+mj-lt"/>
+                <a:cs typeface="Times New Roman" panose="02020603050405020304" pitchFamily="18" charset="0"/>
+              </a:rPr>
+              <a:t> Dashboard for Visual Insights</a:t>
             </a:r>
           </a:p>
         </p:txBody>
@@ -6221,21 +7364,9 @@
 </p:sld>
 </file>
 
-<file path=ppt/slides/slide11.xml><?xml version="1.0" encoding="utf-8"?>
-<p:sld xmlns:a="http://schemas.openxmlformats.org/drawingml/2006/main" xmlns:r="http://schemas.openxmlformats.org/officeDocument/2006/relationships" xmlns:p="http://schemas.openxmlformats.org/presentationml/2006/main">
+<file path=ppt/slides/slide7.xml><?xml version="1.0" encoding="utf-8"?>
+<p:sld xmlns:a="http://schemas.openxmlformats.org/drawingml/2006/main" xmlns:r="http://schemas.openxmlformats.org/officeDocument/2006/relationships" xmlns:p="http://schemas.openxmlformats.org/presentationml/2006/main" showMasterSp="0">
   <p:cSld>
-    <p:bg>
-      <p:bgPr>
-        <a:blipFill dpi="0" rotWithShape="1">
-          <a:blip r:embed="rId2">
-            <a:alphaModFix amt="92000"/>
-          </a:blip>
-          <a:srcRect/>
-          <a:tile tx="0" ty="0" sx="100000" sy="100000" flip="none" algn="tl"/>
-        </a:blipFill>
-        <a:effectLst/>
-      </p:bgPr>
-    </p:bg>
     <p:spTree>
       <p:nvGrpSpPr>
         <p:cNvPr id="1" name=""/>
@@ -6262,7 +7393,7 @@
         </p:nvSpPr>
         <p:spPr>
           <a:xfrm>
-            <a:off x="533400" y="400879"/>
+            <a:off x="533399" y="202095"/>
             <a:ext cx="6554867" cy="1524000"/>
           </a:xfrm>
         </p:spPr>
@@ -6271,11 +7402,11 @@
           <a:lstStyle/>
           <a:p>
             <a:r>
-              <a:rPr dirty="0">
+              <a:rPr b="1" dirty="0">
                 <a:latin typeface="Times New Roman" panose="02020603050405020304" pitchFamily="18" charset="0"/>
                 <a:cs typeface="Times New Roman" panose="02020603050405020304" pitchFamily="18" charset="0"/>
               </a:rPr>
-              <a:t>Demo &amp; Deployment</a:t>
+              <a:t>Database Design</a:t>
             </a:r>
           </a:p>
         </p:txBody>
@@ -6292,8 +7423,8 @@
         </p:nvSpPr>
         <p:spPr>
           <a:xfrm>
-            <a:off x="533400" y="1924879"/>
-            <a:ext cx="8488680" cy="2607364"/>
+            <a:off x="533400" y="1209261"/>
+            <a:ext cx="7709452" cy="3767670"/>
           </a:xfrm>
         </p:spPr>
         <p:txBody>
@@ -6305,28 +7436,16 @@
               <a:buChar char="Ø"/>
             </a:pPr>
             <a:r>
-              <a:rPr dirty="0"/>
-              <a:t> Local</a:t>
-            </a:r>
-            <a:r>
-              <a:rPr lang="en-US" dirty="0"/>
-              <a:t> </a:t>
-            </a:r>
-            <a:r>
-              <a:rPr dirty="0"/>
-              <a:t>: </a:t>
-            </a:r>
-            <a:r>
-              <a:rPr lang="en-US" dirty="0"/>
-              <a:t> </a:t>
-            </a:r>
-            <a:r>
-              <a:rPr dirty="0" err="1"/>
-              <a:t>streamlit</a:t>
-            </a:r>
-            <a:r>
-              <a:rPr dirty="0"/>
-              <a:t> run app.py</a:t>
+              <a:rPr b="1" dirty="0"/>
+              <a:t> Tables: </a:t>
+            </a:r>
+            <a:r>
+              <a:rPr b="1" dirty="0" err="1"/>
+              <a:t>Food_Listings</a:t>
+            </a:r>
+            <a:r>
+              <a:rPr b="1" dirty="0"/>
+              <a:t>, Providers, Receivers, Claims</a:t>
             </a:r>
           </a:p>
           <a:p>
@@ -6335,16 +7454,24 @@
               <a:buChar char="Ø"/>
             </a:pPr>
             <a:r>
-              <a:rPr dirty="0"/>
-              <a:t> Cloud: </a:t>
-            </a:r>
-            <a:r>
-              <a:rPr dirty="0" err="1"/>
-              <a:t>TiDB</a:t>
-            </a:r>
-            <a:r>
-              <a:rPr dirty="0"/>
-              <a:t> Cloud for DB</a:t>
+              <a:rPr b="1" dirty="0"/>
+              <a:t> Key Fields: </a:t>
+            </a:r>
+            <a:r>
+              <a:rPr b="1" dirty="0" err="1"/>
+              <a:t>Food_ID</a:t>
+            </a:r>
+            <a:r>
+              <a:rPr b="1" dirty="0"/>
+              <a:t>, Provider_ID, </a:t>
+            </a:r>
+            <a:r>
+              <a:rPr b="1" dirty="0" err="1"/>
+              <a:t>Expiry_Date</a:t>
+            </a:r>
+            <a:r>
+              <a:rPr b="1" dirty="0"/>
+              <a:t>, Location</a:t>
             </a:r>
           </a:p>
           <a:p>
@@ -6353,36 +7480,9 @@
               <a:buChar char="Ø"/>
             </a:pPr>
             <a:r>
-              <a:rPr dirty="0"/>
-              <a:t> Hosted with </a:t>
-            </a:r>
-            <a:r>
-              <a:rPr dirty="0" err="1"/>
-              <a:t>Streamlit</a:t>
-            </a:r>
-            <a:r>
-              <a:rPr dirty="0"/>
-              <a:t> Cloud</a:t>
-            </a:r>
-          </a:p>
-          <a:p>
-            <a:pPr>
-              <a:buFont typeface="Wingdings" panose="05000000000000000000" pitchFamily="2" charset="2"/>
-              <a:buChar char="Ø"/>
-            </a:pPr>
-            <a:r>
-              <a:rPr lang="en-US" dirty="0"/>
-              <a:t> </a:t>
-            </a:r>
-            <a:r>
-              <a:rPr dirty="0"/>
-              <a:t>GitHub:</a:t>
-            </a:r>
-            <a:r>
-              <a:rPr lang="en-IN" dirty="0"/>
-              <a:t> https://github.com/Manivannan1501/k_project.git</a:t>
-            </a:r>
-            <a:endParaRPr b="1" dirty="0"/>
+              <a:rPr b="1" dirty="0"/>
+              <a:t> Schema optimized for tracking and analysis</a:t>
+            </a:r>
           </a:p>
         </p:txBody>
       </p:sp>
@@ -6394,21 +7494,9 @@
 </p:sld>
 </file>
 
-<file path=ppt/slides/slide12.xml><?xml version="1.0" encoding="utf-8"?>
-<p:sld xmlns:a="http://schemas.openxmlformats.org/drawingml/2006/main" xmlns:r="http://schemas.openxmlformats.org/officeDocument/2006/relationships" xmlns:p="http://schemas.openxmlformats.org/presentationml/2006/main">
+<file path=ppt/slides/slide8.xml><?xml version="1.0" encoding="utf-8"?>
+<p:sld xmlns:a="http://schemas.openxmlformats.org/drawingml/2006/main" xmlns:r="http://schemas.openxmlformats.org/officeDocument/2006/relationships" xmlns:p="http://schemas.openxmlformats.org/presentationml/2006/main" showMasterSp="0">
   <p:cSld>
-    <p:bg>
-      <p:bgPr>
-        <a:blipFill dpi="0" rotWithShape="1">
-          <a:blip r:embed="rId2">
-            <a:alphaModFix amt="92000"/>
-          </a:blip>
-          <a:srcRect/>
-          <a:tile tx="0" ty="0" sx="100000" sy="100000" flip="none" algn="tl"/>
-        </a:blipFill>
-        <a:effectLst/>
-      </p:bgPr>
-    </p:bg>
     <p:spTree>
       <p:nvGrpSpPr>
         <p:cNvPr id="1" name=""/>
@@ -6435,7 +7523,7 @@
         </p:nvSpPr>
         <p:spPr>
           <a:xfrm>
-            <a:off x="533399" y="347870"/>
+            <a:off x="533399" y="135834"/>
             <a:ext cx="6554867" cy="1524000"/>
           </a:xfrm>
         </p:spPr>
@@ -6444,11 +7532,11 @@
           <a:lstStyle/>
           <a:p>
             <a:r>
-              <a:rPr dirty="0">
+              <a:rPr b="1" dirty="0">
                 <a:latin typeface="Times New Roman" panose="02020603050405020304" pitchFamily="18" charset="0"/>
                 <a:cs typeface="Times New Roman" panose="02020603050405020304" pitchFamily="18" charset="0"/>
               </a:rPr>
-              <a:t>Conclusion</a:t>
+              <a:t>Application Workflow</a:t>
             </a:r>
           </a:p>
         </p:txBody>
@@ -6465,7 +7553,7 @@
         </p:nvSpPr>
         <p:spPr>
           <a:xfrm>
-            <a:off x="533400" y="1470991"/>
+            <a:off x="533400" y="1196009"/>
             <a:ext cx="6554867" cy="3767670"/>
           </a:xfrm>
         </p:spPr>
@@ -6478,8 +7566,8 @@
               <a:buChar char="Ø"/>
             </a:pPr>
             <a:r>
-              <a:rPr dirty="0"/>
-              <a:t> Smart inventory tracking</a:t>
+              <a:rPr b="1" dirty="0"/>
+              <a:t> User logs in or connects to DB</a:t>
             </a:r>
           </a:p>
           <a:p>
@@ -6488,8 +7576,8 @@
               <a:buChar char="Ø"/>
             </a:pPr>
             <a:r>
-              <a:rPr dirty="0"/>
-              <a:t> Real-time analytics for decision making</a:t>
+              <a:rPr b="1" dirty="0"/>
+              <a:t> Provider adds or updates food items</a:t>
             </a:r>
           </a:p>
           <a:p>
@@ -6498,8 +7586,8 @@
               <a:buChar char="Ø"/>
             </a:pPr>
             <a:r>
-              <a:rPr dirty="0"/>
-              <a:t> Easy-to-use and scalable</a:t>
+              <a:rPr b="1" dirty="0"/>
+              <a:t> Items tracked by quantity and expiry</a:t>
             </a:r>
           </a:p>
           <a:p>
@@ -6508,12 +7596,8 @@
               <a:buChar char="Ø"/>
             </a:pPr>
             <a:r>
-              <a:rPr lang="en-US" dirty="0"/>
-              <a:t> </a:t>
-            </a:r>
-            <a:r>
-              <a:rPr dirty="0"/>
-              <a:t>Tackling food waste effectively</a:t>
+              <a:rPr b="1" dirty="0"/>
+              <a:t> Analytics generate actionable insights</a:t>
             </a:r>
           </a:p>
         </p:txBody>
@@ -6526,21 +7610,9 @@
 </p:sld>
 </file>
 
-<file path=ppt/slides/slide13.xml><?xml version="1.0" encoding="utf-8"?>
-<p:sld xmlns:a="http://schemas.openxmlformats.org/drawingml/2006/main" xmlns:r="http://schemas.openxmlformats.org/officeDocument/2006/relationships" xmlns:p="http://schemas.openxmlformats.org/presentationml/2006/main">
+<file path=ppt/slides/slide9.xml><?xml version="1.0" encoding="utf-8"?>
+<p:sld xmlns:a="http://schemas.openxmlformats.org/drawingml/2006/main" xmlns:r="http://schemas.openxmlformats.org/officeDocument/2006/relationships" xmlns:p="http://schemas.openxmlformats.org/presentationml/2006/main" showMasterSp="0">
   <p:cSld>
-    <p:bg>
-      <p:bgPr>
-        <a:blipFill dpi="0" rotWithShape="1">
-          <a:blip r:embed="rId2">
-            <a:alphaModFix amt="92000"/>
-          </a:blip>
-          <a:srcRect/>
-          <a:tile tx="0" ty="0" sx="100000" sy="100000" flip="none" algn="tl"/>
-        </a:blipFill>
-        <a:effectLst/>
-      </p:bgPr>
-    </p:bg>
     <p:spTree>
       <p:nvGrpSpPr>
         <p:cNvPr id="1" name=""/>
@@ -6567,7 +7639,7 @@
         </p:nvSpPr>
         <p:spPr>
           <a:xfrm>
-            <a:off x="533399" y="361122"/>
+            <a:off x="533400" y="241852"/>
             <a:ext cx="6554867" cy="1524000"/>
           </a:xfrm>
         </p:spPr>
@@ -6576,11 +7648,11 @@
           <a:lstStyle/>
           <a:p>
             <a:r>
-              <a:rPr dirty="0">
+              <a:rPr b="1" dirty="0">
                 <a:latin typeface="Times New Roman" panose="02020603050405020304" pitchFamily="18" charset="0"/>
                 <a:cs typeface="Times New Roman" panose="02020603050405020304" pitchFamily="18" charset="0"/>
               </a:rPr>
-              <a:t>Contact &amp; Q&amp;A</a:t>
+              <a:t>Analytics &amp; Reporting</a:t>
             </a:r>
           </a:p>
         </p:txBody>
@@ -6597,8 +7669,8 @@
         </p:nvSpPr>
         <p:spPr>
           <a:xfrm>
-            <a:off x="533399" y="1490130"/>
-            <a:ext cx="7921487" cy="3767670"/>
+            <a:off x="533400" y="1169504"/>
+            <a:ext cx="6554867" cy="3767670"/>
           </a:xfrm>
         </p:spPr>
         <p:txBody>
@@ -6610,14 +7682,9 @@
               <a:buChar char="Ø"/>
             </a:pPr>
             <a:r>
-              <a:rPr dirty="0"/>
-              <a:t>GitHub:</a:t>
-            </a:r>
-            <a:r>
-              <a:rPr lang="en-IN" dirty="0"/>
-              <a:t> https://github.com/Manivannan1501/k_project.git</a:t>
-            </a:r>
-            <a:endParaRPr lang="en-IN" b="1" dirty="0"/>
+              <a:rPr b="1" dirty="0"/>
+              <a:t> Food Expiring Soon</a:t>
+            </a:r>
           </a:p>
           <a:p>
             <a:pPr>
@@ -6625,14 +7692,9 @@
               <a:buChar char="Ø"/>
             </a:pPr>
             <a:r>
-              <a:rPr dirty="0"/>
-              <a:t>Email:</a:t>
-            </a:r>
-            <a:r>
-              <a:rPr lang="en-IN" dirty="0"/>
-              <a:t> manivannank1503@gmail.com</a:t>
-            </a:r>
-            <a:endParaRPr dirty="0"/>
+              <a:rPr b="1" dirty="0"/>
+              <a:t> Monthly Trends</a:t>
+            </a:r>
           </a:p>
           <a:p>
             <a:pPr>
@@ -6640,118 +7702,18 @@
               <a:buChar char="Ø"/>
             </a:pPr>
             <a:r>
-              <a:rPr dirty="0"/>
-              <a:t>T</a:t>
-            </a:r>
-            <a:r>
-              <a:rPr lang="en-IN" dirty="0"/>
-              <a:t>HANK YOU</a:t>
-            </a:r>
-            <a:r>
-              <a:rPr dirty="0"/>
-              <a:t>!</a:t>
-            </a:r>
-          </a:p>
-        </p:txBody>
-      </p:sp>
-    </p:spTree>
-  </p:cSld>
-  <p:clrMapOvr>
-    <a:masterClrMapping/>
-  </p:clrMapOvr>
-</p:sld>
-</file>
-
-<file path=ppt/slides/slide2.xml><?xml version="1.0" encoding="utf-8"?>
-<p:sld xmlns:a="http://schemas.openxmlformats.org/drawingml/2006/main" xmlns:r="http://schemas.openxmlformats.org/officeDocument/2006/relationships" xmlns:p="http://schemas.openxmlformats.org/presentationml/2006/main">
-  <p:cSld>
-    <p:bg>
-      <p:bgPr>
-        <a:blipFill dpi="0" rotWithShape="1">
-          <a:blip r:embed="rId3">
-            <a:alphaModFix amt="92000"/>
-          </a:blip>
-          <a:srcRect/>
-          <a:tile tx="0" ty="0" sx="100000" sy="100000" flip="none" algn="tl"/>
-        </a:blipFill>
-        <a:effectLst/>
-      </p:bgPr>
-    </p:bg>
-    <p:spTree>
-      <p:nvGrpSpPr>
-        <p:cNvPr id="1" name=""/>
-        <p:cNvGrpSpPr/>
-        <p:nvPr/>
-      </p:nvGrpSpPr>
-      <p:grpSpPr>
-        <a:xfrm>
-          <a:off x="0" y="0"/>
-          <a:ext cx="0" cy="0"/>
-          <a:chOff x="0" y="0"/>
-          <a:chExt cx="0" cy="0"/>
-        </a:xfrm>
-      </p:grpSpPr>
-      <p:sp>
-        <p:nvSpPr>
-          <p:cNvPr id="2" name="Title 1"/>
-          <p:cNvSpPr>
-            <a:spLocks noGrp="1"/>
-          </p:cNvSpPr>
-          <p:nvPr>
-            <p:ph type="title"/>
-          </p:nvPr>
-        </p:nvSpPr>
-        <p:spPr>
-          <a:xfrm>
-            <a:off x="457199" y="434340"/>
-            <a:ext cx="8229600" cy="1188720"/>
-          </a:xfrm>
-        </p:spPr>
-        <p:txBody>
-          <a:bodyPr>
-            <a:normAutofit/>
-          </a:bodyPr>
-          <a:lstStyle/>
-          <a:p>
-            <a:r>
-              <a:rPr dirty="0">
-                <a:latin typeface="Times New Roman" panose="02020603050405020304" pitchFamily="18" charset="0"/>
-                <a:cs typeface="Times New Roman" panose="02020603050405020304" pitchFamily="18" charset="0"/>
-              </a:rPr>
-              <a:t>Agenda</a:t>
-            </a:r>
-          </a:p>
-        </p:txBody>
-      </p:sp>
-      <p:sp>
-        <p:nvSpPr>
-          <p:cNvPr id="3" name="Content Placeholder 2"/>
-          <p:cNvSpPr>
-            <a:spLocks noGrp="1"/>
-          </p:cNvSpPr>
-          <p:nvPr>
-            <p:ph idx="1"/>
-          </p:nvPr>
-        </p:nvSpPr>
-        <p:spPr>
-          <a:xfrm>
-            <a:off x="647699" y="1668780"/>
-            <a:ext cx="8039100" cy="4754880"/>
-          </a:xfrm>
-        </p:spPr>
-        <p:txBody>
-          <a:bodyPr numCol="2">
-            <a:normAutofit/>
-          </a:bodyPr>
-          <a:lstStyle/>
+              <a:rPr b="1" dirty="0"/>
+              <a:t> Provider Contributions</a:t>
+            </a:r>
+          </a:p>
           <a:p>
             <a:pPr>
               <a:buFont typeface="Wingdings" panose="05000000000000000000" pitchFamily="2" charset="2"/>
               <a:buChar char="Ø"/>
             </a:pPr>
             <a:r>
-              <a:rPr dirty="0"/>
-              <a:t> Project Overview</a:t>
+              <a:rPr b="1" dirty="0"/>
+              <a:t> Location-Wise Availability</a:t>
             </a:r>
           </a:p>
           <a:p>
@@ -6760,1071 +7722,7 @@
               <a:buChar char="Ø"/>
             </a:pPr>
             <a:r>
-              <a:rPr dirty="0"/>
-              <a:t> Problem Statement</a:t>
-            </a:r>
-          </a:p>
-          <a:p>
-            <a:pPr>
-              <a:buFont typeface="Wingdings" panose="05000000000000000000" pitchFamily="2" charset="2"/>
-              <a:buChar char="Ø"/>
-            </a:pPr>
-            <a:r>
-              <a:rPr dirty="0"/>
-              <a:t> Solution Architecture</a:t>
-            </a:r>
-          </a:p>
-          <a:p>
-            <a:pPr>
-              <a:buFont typeface="Wingdings" panose="05000000000000000000" pitchFamily="2" charset="2"/>
-              <a:buChar char="Ø"/>
-            </a:pPr>
-            <a:r>
-              <a:rPr dirty="0"/>
-              <a:t> Key Features</a:t>
-            </a:r>
-          </a:p>
-          <a:p>
-            <a:pPr>
-              <a:buFont typeface="Wingdings" panose="05000000000000000000" pitchFamily="2" charset="2"/>
-              <a:buChar char="Ø"/>
-            </a:pPr>
-            <a:r>
-              <a:rPr dirty="0"/>
-              <a:t> Database Design</a:t>
-            </a:r>
-          </a:p>
-          <a:p>
-            <a:pPr>
-              <a:buFont typeface="Wingdings" panose="05000000000000000000" pitchFamily="2" charset="2"/>
-              <a:buChar char="Ø"/>
-            </a:pPr>
-            <a:r>
-              <a:rPr dirty="0"/>
-              <a:t> Application Workflow</a:t>
-            </a:r>
-          </a:p>
-          <a:p>
-            <a:pPr>
-              <a:buFont typeface="Wingdings" panose="05000000000000000000" pitchFamily="2" charset="2"/>
-              <a:buChar char="Ø"/>
-            </a:pPr>
-            <a:r>
-              <a:rPr dirty="0"/>
-              <a:t> Analytics &amp; Reporting</a:t>
-            </a:r>
-          </a:p>
-          <a:p>
-            <a:pPr>
-              <a:buFont typeface="Wingdings" panose="05000000000000000000" pitchFamily="2" charset="2"/>
-              <a:buChar char="Ø"/>
-            </a:pPr>
-            <a:r>
-              <a:rPr lang="en-US" dirty="0"/>
-              <a:t> </a:t>
-            </a:r>
-            <a:r>
-              <a:rPr dirty="0"/>
-              <a:t>Implementation </a:t>
-            </a:r>
-            <a:r>
-              <a:rPr lang="en-US" dirty="0"/>
-              <a:t>   </a:t>
-            </a:r>
-            <a:r>
-              <a:rPr dirty="0"/>
-              <a:t>Highlight</a:t>
-            </a:r>
-            <a:r>
-              <a:rPr lang="en-IN" dirty="0"/>
-              <a:t>s</a:t>
-            </a:r>
-          </a:p>
-          <a:p>
-            <a:pPr>
-              <a:buFont typeface="Wingdings" panose="05000000000000000000" pitchFamily="2" charset="2"/>
-              <a:buChar char="Ø"/>
-            </a:pPr>
-            <a:r>
-              <a:rPr lang="en-US" dirty="0"/>
-              <a:t> </a:t>
-            </a:r>
-            <a:r>
-              <a:rPr dirty="0"/>
-              <a:t>Demo &amp; Deployment</a:t>
-            </a:r>
-          </a:p>
-          <a:p>
-            <a:pPr>
-              <a:buFont typeface="Wingdings" panose="05000000000000000000" pitchFamily="2" charset="2"/>
-              <a:buChar char="Ø"/>
-            </a:pPr>
-            <a:r>
-              <a:rPr dirty="0"/>
-              <a:t> Conclusion</a:t>
-            </a:r>
-          </a:p>
-        </p:txBody>
-      </p:sp>
-    </p:spTree>
-  </p:cSld>
-  <p:clrMapOvr>
-    <a:masterClrMapping/>
-  </p:clrMapOvr>
-</p:sld>
-</file>
-
-<file path=ppt/slides/slide3.xml><?xml version="1.0" encoding="utf-8"?>
-<p:sld xmlns:a="http://schemas.openxmlformats.org/drawingml/2006/main" xmlns:r="http://schemas.openxmlformats.org/officeDocument/2006/relationships" xmlns:p="http://schemas.openxmlformats.org/presentationml/2006/main">
-  <p:cSld>
-    <p:bg>
-      <p:bgPr>
-        <a:blipFill dpi="0" rotWithShape="1">
-          <a:blip r:embed="rId2">
-            <a:alphaModFix amt="92000"/>
-          </a:blip>
-          <a:srcRect/>
-          <a:tile tx="0" ty="0" sx="100000" sy="100000" flip="none" algn="tl"/>
-        </a:blipFill>
-        <a:effectLst/>
-      </p:bgPr>
-    </p:bg>
-    <p:spTree>
-      <p:nvGrpSpPr>
-        <p:cNvPr id="1" name=""/>
-        <p:cNvGrpSpPr/>
-        <p:nvPr/>
-      </p:nvGrpSpPr>
-      <p:grpSpPr>
-        <a:xfrm>
-          <a:off x="0" y="0"/>
-          <a:ext cx="0" cy="0"/>
-          <a:chOff x="0" y="0"/>
-          <a:chExt cx="0" cy="0"/>
-        </a:xfrm>
-      </p:grpSpPr>
-      <p:sp>
-        <p:nvSpPr>
-          <p:cNvPr id="2" name="Title 1"/>
-          <p:cNvSpPr>
-            <a:spLocks noGrp="1"/>
-          </p:cNvSpPr>
-          <p:nvPr>
-            <p:ph type="title"/>
-          </p:nvPr>
-        </p:nvSpPr>
-        <p:spPr>
-          <a:xfrm>
-            <a:off x="457200" y="586409"/>
-            <a:ext cx="6554867" cy="1524000"/>
-          </a:xfrm>
-        </p:spPr>
-        <p:txBody>
-          <a:bodyPr/>
-          <a:lstStyle/>
-          <a:p>
-            <a:r>
-              <a:rPr dirty="0">
-                <a:latin typeface="Times New Roman" panose="02020603050405020304" pitchFamily="18" charset="0"/>
-                <a:cs typeface="Times New Roman" panose="02020603050405020304" pitchFamily="18" charset="0"/>
-              </a:rPr>
-              <a:t>Project Overview</a:t>
-            </a:r>
-          </a:p>
-        </p:txBody>
-      </p:sp>
-      <p:sp>
-        <p:nvSpPr>
-          <p:cNvPr id="3" name="Content Placeholder 2"/>
-          <p:cNvSpPr>
-            <a:spLocks noGrp="1"/>
-          </p:cNvSpPr>
-          <p:nvPr>
-            <p:ph idx="1"/>
-          </p:nvPr>
-        </p:nvSpPr>
-        <p:spPr>
-          <a:xfrm>
-            <a:off x="457200" y="1600201"/>
-            <a:ext cx="8229600" cy="3467100"/>
-          </a:xfrm>
-        </p:spPr>
-        <p:txBody>
-          <a:bodyPr/>
-          <a:lstStyle/>
-          <a:p>
-            <a:pPr>
-              <a:buFont typeface="Wingdings" panose="05000000000000000000" pitchFamily="2" charset="2"/>
-              <a:buChar char="Ø"/>
-            </a:pPr>
-            <a:r>
-              <a:rPr dirty="0"/>
-              <a:t> Purpose: Connect food providers with receivers</a:t>
-            </a:r>
-          </a:p>
-          <a:p>
-            <a:pPr>
-              <a:buFont typeface="Wingdings" panose="05000000000000000000" pitchFamily="2" charset="2"/>
-              <a:buChar char="Ø"/>
-            </a:pPr>
-            <a:r>
-              <a:rPr dirty="0"/>
-              <a:t> Target Users: NGOs, Restaurants, Shelters</a:t>
-            </a:r>
-          </a:p>
-          <a:p>
-            <a:pPr>
-              <a:buFont typeface="Wingdings" panose="05000000000000000000" pitchFamily="2" charset="2"/>
-              <a:buChar char="Ø"/>
-            </a:pPr>
-            <a:r>
-              <a:rPr lang="en-US" dirty="0"/>
-              <a:t> </a:t>
-            </a:r>
-            <a:r>
-              <a:rPr dirty="0"/>
-              <a:t>Technology Stack: Python, Streamlit, MySQL (TiDB Cloud)</a:t>
-            </a:r>
-          </a:p>
-        </p:txBody>
-      </p:sp>
-    </p:spTree>
-  </p:cSld>
-  <p:clrMapOvr>
-    <a:masterClrMapping/>
-  </p:clrMapOvr>
-</p:sld>
-</file>
-
-<file path=ppt/slides/slide4.xml><?xml version="1.0" encoding="utf-8"?>
-<p:sld xmlns:a="http://schemas.openxmlformats.org/drawingml/2006/main" xmlns:r="http://schemas.openxmlformats.org/officeDocument/2006/relationships" xmlns:p="http://schemas.openxmlformats.org/presentationml/2006/main">
-  <p:cSld>
-    <p:bg>
-      <p:bgPr>
-        <a:blipFill dpi="0" rotWithShape="1">
-          <a:blip r:embed="rId2">
-            <a:alphaModFix amt="92000"/>
-          </a:blip>
-          <a:srcRect/>
-          <a:tile tx="0" ty="0" sx="100000" sy="100000" flip="none" algn="tl"/>
-        </a:blipFill>
-        <a:effectLst/>
-      </p:bgPr>
-    </p:bg>
-    <p:spTree>
-      <p:nvGrpSpPr>
-        <p:cNvPr id="1" name=""/>
-        <p:cNvGrpSpPr/>
-        <p:nvPr/>
-      </p:nvGrpSpPr>
-      <p:grpSpPr>
-        <a:xfrm>
-          <a:off x="0" y="0"/>
-          <a:ext cx="0" cy="0"/>
-          <a:chOff x="0" y="0"/>
-          <a:chExt cx="0" cy="0"/>
-        </a:xfrm>
-      </p:grpSpPr>
-      <p:sp>
-        <p:nvSpPr>
-          <p:cNvPr id="2" name="Title 1"/>
-          <p:cNvSpPr>
-            <a:spLocks noGrp="1"/>
-          </p:cNvSpPr>
-          <p:nvPr>
-            <p:ph type="title"/>
-          </p:nvPr>
-        </p:nvSpPr>
-        <p:spPr>
-          <a:xfrm>
-            <a:off x="457200" y="215348"/>
-            <a:ext cx="6554867" cy="1524000"/>
-          </a:xfrm>
-        </p:spPr>
-        <p:txBody>
-          <a:bodyPr/>
-          <a:lstStyle/>
-          <a:p>
-            <a:r>
-              <a:rPr dirty="0">
-                <a:latin typeface="Times New Roman" panose="02020603050405020304" pitchFamily="18" charset="0"/>
-                <a:cs typeface="Times New Roman" panose="02020603050405020304" pitchFamily="18" charset="0"/>
-              </a:rPr>
-              <a:t>Problem Statement</a:t>
-            </a:r>
-          </a:p>
-        </p:txBody>
-      </p:sp>
-      <p:sp>
-        <p:nvSpPr>
-          <p:cNvPr id="3" name="Content Placeholder 2"/>
-          <p:cNvSpPr>
-            <a:spLocks noGrp="1"/>
-          </p:cNvSpPr>
-          <p:nvPr>
-            <p:ph idx="1"/>
-          </p:nvPr>
-        </p:nvSpPr>
-        <p:spPr>
-          <a:xfrm>
-            <a:off x="457200" y="1600201"/>
-            <a:ext cx="8229600" cy="3192780"/>
-          </a:xfrm>
-        </p:spPr>
-        <p:txBody>
-          <a:bodyPr>
-            <a:normAutofit/>
-          </a:bodyPr>
-          <a:lstStyle/>
-          <a:p>
-            <a:pPr>
-              <a:buFont typeface="Wingdings" panose="05000000000000000000" pitchFamily="2" charset="2"/>
-              <a:buChar char="Ø"/>
-            </a:pPr>
-            <a:r>
-              <a:rPr dirty="0"/>
-              <a:t> 1.3B tones of food wasted globally per year</a:t>
-            </a:r>
-          </a:p>
-          <a:p>
-            <a:pPr>
-              <a:buFont typeface="Wingdings" panose="05000000000000000000" pitchFamily="2" charset="2"/>
-              <a:buChar char="Ø"/>
-            </a:pPr>
-            <a:r>
-              <a:rPr dirty="0"/>
-              <a:t> 690M people go hungry</a:t>
-            </a:r>
-          </a:p>
-          <a:p>
-            <a:pPr>
-              <a:buFont typeface="Wingdings" panose="05000000000000000000" pitchFamily="2" charset="2"/>
-              <a:buChar char="Ø"/>
-            </a:pPr>
-            <a:r>
-              <a:rPr dirty="0"/>
-              <a:t> No link between surplus and demand</a:t>
-            </a:r>
-          </a:p>
-          <a:p>
-            <a:pPr>
-              <a:buFont typeface="Wingdings" panose="05000000000000000000" pitchFamily="2" charset="2"/>
-              <a:buChar char="Ø"/>
-            </a:pPr>
-            <a:r>
-              <a:rPr lang="en-US" dirty="0"/>
-              <a:t> </a:t>
-            </a:r>
-            <a:r>
-              <a:rPr dirty="0"/>
-              <a:t>Lack of efficient tracking systems</a:t>
-            </a:r>
-          </a:p>
-        </p:txBody>
-      </p:sp>
-    </p:spTree>
-  </p:cSld>
-  <p:clrMapOvr>
-    <a:masterClrMapping/>
-  </p:clrMapOvr>
-</p:sld>
-</file>
-
-<file path=ppt/slides/slide5.xml><?xml version="1.0" encoding="utf-8"?>
-<p:sld xmlns:a="http://schemas.openxmlformats.org/drawingml/2006/main" xmlns:r="http://schemas.openxmlformats.org/officeDocument/2006/relationships" xmlns:p="http://schemas.openxmlformats.org/presentationml/2006/main">
-  <p:cSld>
-    <p:bg>
-      <p:bgPr>
-        <a:blipFill dpi="0" rotWithShape="1">
-          <a:blip r:embed="rId2">
-            <a:alphaModFix amt="92000"/>
-          </a:blip>
-          <a:srcRect/>
-          <a:tile tx="0" ty="0" sx="100000" sy="100000" flip="none" algn="tl"/>
-        </a:blipFill>
-        <a:effectLst/>
-      </p:bgPr>
-    </p:bg>
-    <p:spTree>
-      <p:nvGrpSpPr>
-        <p:cNvPr id="1" name=""/>
-        <p:cNvGrpSpPr/>
-        <p:nvPr/>
-      </p:nvGrpSpPr>
-      <p:grpSpPr>
-        <a:xfrm>
-          <a:off x="0" y="0"/>
-          <a:ext cx="0" cy="0"/>
-          <a:chOff x="0" y="0"/>
-          <a:chExt cx="0" cy="0"/>
-        </a:xfrm>
-      </p:grpSpPr>
-      <p:sp>
-        <p:nvSpPr>
-          <p:cNvPr id="2" name="Title 1"/>
-          <p:cNvSpPr>
-            <a:spLocks noGrp="1"/>
-          </p:cNvSpPr>
-          <p:nvPr>
-            <p:ph type="title"/>
-          </p:nvPr>
-        </p:nvSpPr>
-        <p:spPr>
-          <a:xfrm>
-            <a:off x="457200" y="294861"/>
-            <a:ext cx="6554867" cy="1524000"/>
-          </a:xfrm>
-        </p:spPr>
-        <p:txBody>
-          <a:bodyPr/>
-          <a:lstStyle/>
-          <a:p>
-            <a:r>
-              <a:rPr dirty="0">
-                <a:latin typeface="Times New Roman" panose="02020603050405020304" pitchFamily="18" charset="0"/>
-                <a:cs typeface="Times New Roman" panose="02020603050405020304" pitchFamily="18" charset="0"/>
-              </a:rPr>
-              <a:t>Solution Architecture</a:t>
-            </a:r>
-          </a:p>
-        </p:txBody>
-      </p:sp>
-      <p:sp>
-        <p:nvSpPr>
-          <p:cNvPr id="3" name="Content Placeholder 2"/>
-          <p:cNvSpPr>
-            <a:spLocks noGrp="1"/>
-          </p:cNvSpPr>
-          <p:nvPr>
-            <p:ph idx="1"/>
-          </p:nvPr>
-        </p:nvSpPr>
-        <p:spPr>
-          <a:xfrm>
-            <a:off x="457200" y="1600201"/>
-            <a:ext cx="8229600" cy="3291840"/>
-          </a:xfrm>
-        </p:spPr>
-        <p:txBody>
-          <a:bodyPr/>
-          <a:lstStyle/>
-          <a:p>
-            <a:pPr>
-              <a:buFont typeface="Wingdings" panose="05000000000000000000" pitchFamily="2" charset="2"/>
-              <a:buChar char="Ø"/>
-            </a:pPr>
-            <a:r>
-              <a:rPr dirty="0"/>
-              <a:t> Frontend: </a:t>
-            </a:r>
-            <a:r>
-              <a:rPr dirty="0" err="1"/>
-              <a:t>Streamlit</a:t>
-            </a:r>
-            <a:r>
-              <a:rPr dirty="0"/>
-              <a:t> Web App</a:t>
-            </a:r>
-          </a:p>
-          <a:p>
-            <a:pPr>
-              <a:buFont typeface="Wingdings" panose="05000000000000000000" pitchFamily="2" charset="2"/>
-              <a:buChar char="Ø"/>
-            </a:pPr>
-            <a:r>
-              <a:rPr dirty="0"/>
-              <a:t> Backend: MySQL (</a:t>
-            </a:r>
-            <a:r>
-              <a:rPr dirty="0" err="1"/>
-              <a:t>TiDB</a:t>
-            </a:r>
-            <a:r>
-              <a:rPr dirty="0"/>
-              <a:t> Cloud)</a:t>
-            </a:r>
-          </a:p>
-          <a:p>
-            <a:pPr>
-              <a:buFont typeface="Wingdings" panose="05000000000000000000" pitchFamily="2" charset="2"/>
-              <a:buChar char="Ø"/>
-            </a:pPr>
-            <a:r>
-              <a:rPr dirty="0"/>
-              <a:t> Modules: Food Management, Provider Tracking, Expiry Monitoring, Analytics</a:t>
-            </a:r>
-            <a:r>
-              <a:rPr lang="en-US" dirty="0"/>
-              <a:t>.</a:t>
-            </a:r>
-            <a:endParaRPr dirty="0"/>
-          </a:p>
-        </p:txBody>
-      </p:sp>
-    </p:spTree>
-  </p:cSld>
-  <p:clrMapOvr>
-    <a:masterClrMapping/>
-  </p:clrMapOvr>
-</p:sld>
-</file>
-
-<file path=ppt/slides/slide6.xml><?xml version="1.0" encoding="utf-8"?>
-<p:sld xmlns:a="http://schemas.openxmlformats.org/drawingml/2006/main" xmlns:r="http://schemas.openxmlformats.org/officeDocument/2006/relationships" xmlns:p="http://schemas.openxmlformats.org/presentationml/2006/main">
-  <p:cSld>
-    <p:bg>
-      <p:bgPr>
-        <a:blipFill dpi="0" rotWithShape="1">
-          <a:blip r:embed="rId2">
-            <a:alphaModFix amt="92000"/>
-          </a:blip>
-          <a:srcRect/>
-          <a:tile tx="0" ty="0" sx="100000" sy="100000" flip="none" algn="tl"/>
-        </a:blipFill>
-        <a:effectLst/>
-      </p:bgPr>
-    </p:bg>
-    <p:spTree>
-      <p:nvGrpSpPr>
-        <p:cNvPr id="1" name=""/>
-        <p:cNvGrpSpPr/>
-        <p:nvPr/>
-      </p:nvGrpSpPr>
-      <p:grpSpPr>
-        <a:xfrm>
-          <a:off x="0" y="0"/>
-          <a:ext cx="0" cy="0"/>
-          <a:chOff x="0" y="0"/>
-          <a:chExt cx="0" cy="0"/>
-        </a:xfrm>
-      </p:grpSpPr>
-      <p:sp>
-        <p:nvSpPr>
-          <p:cNvPr id="2" name="Title 1"/>
-          <p:cNvSpPr>
-            <a:spLocks noGrp="1"/>
-          </p:cNvSpPr>
-          <p:nvPr>
-            <p:ph type="title"/>
-          </p:nvPr>
-        </p:nvSpPr>
-        <p:spPr>
-          <a:xfrm>
-            <a:off x="533400" y="0"/>
-            <a:ext cx="6554867" cy="1524000"/>
-          </a:xfrm>
-        </p:spPr>
-        <p:txBody>
-          <a:bodyPr/>
-          <a:lstStyle/>
-          <a:p>
-            <a:r>
-              <a:rPr dirty="0">
-                <a:latin typeface="Times New Roman" panose="02020603050405020304" pitchFamily="18" charset="0"/>
-                <a:cs typeface="Times New Roman" panose="02020603050405020304" pitchFamily="18" charset="0"/>
-              </a:rPr>
-              <a:t>Key Features</a:t>
-            </a:r>
-          </a:p>
-        </p:txBody>
-      </p:sp>
-      <p:sp>
-        <p:nvSpPr>
-          <p:cNvPr id="3" name="Content Placeholder 2"/>
-          <p:cNvSpPr>
-            <a:spLocks noGrp="1"/>
-          </p:cNvSpPr>
-          <p:nvPr>
-            <p:ph idx="1"/>
-          </p:nvPr>
-        </p:nvSpPr>
-        <p:spPr>
-          <a:xfrm>
-            <a:off x="533400" y="1524000"/>
-            <a:ext cx="6554867" cy="3767670"/>
-          </a:xfrm>
-        </p:spPr>
-        <p:txBody>
-          <a:bodyPr/>
-          <a:lstStyle/>
-          <a:p>
-            <a:pPr>
-              <a:buFont typeface="Wingdings" panose="05000000000000000000" pitchFamily="2" charset="2"/>
-              <a:buChar char="Ø"/>
-            </a:pPr>
-            <a:r>
-              <a:rPr dirty="0"/>
-              <a:t> </a:t>
-            </a:r>
-            <a:r>
-              <a:rPr dirty="0">
-                <a:latin typeface="+mj-lt"/>
-                <a:cs typeface="Times New Roman" panose="02020603050405020304" pitchFamily="18" charset="0"/>
-              </a:rPr>
-              <a:t>Food CRUD Operations</a:t>
-            </a:r>
-          </a:p>
-          <a:p>
-            <a:pPr>
-              <a:buFont typeface="Wingdings" panose="05000000000000000000" pitchFamily="2" charset="2"/>
-              <a:buChar char="Ø"/>
-            </a:pPr>
-            <a:r>
-              <a:rPr dirty="0">
-                <a:latin typeface="+mj-lt"/>
-                <a:cs typeface="Times New Roman" panose="02020603050405020304" pitchFamily="18" charset="0"/>
-              </a:rPr>
-              <a:t> Provider &amp; Location Details</a:t>
-            </a:r>
-          </a:p>
-          <a:p>
-            <a:pPr>
-              <a:buFont typeface="Wingdings" panose="05000000000000000000" pitchFamily="2" charset="2"/>
-              <a:buChar char="Ø"/>
-            </a:pPr>
-            <a:r>
-              <a:rPr dirty="0">
-                <a:latin typeface="+mj-lt"/>
-                <a:cs typeface="Times New Roman" panose="02020603050405020304" pitchFamily="18" charset="0"/>
-              </a:rPr>
-              <a:t> Expiry Tracking</a:t>
-            </a:r>
-          </a:p>
-          <a:p>
-            <a:pPr>
-              <a:buFont typeface="Wingdings" panose="05000000000000000000" pitchFamily="2" charset="2"/>
-              <a:buChar char="Ø"/>
-            </a:pPr>
-            <a:r>
-              <a:rPr dirty="0">
-                <a:latin typeface="+mj-lt"/>
-                <a:cs typeface="Times New Roman" panose="02020603050405020304" pitchFamily="18" charset="0"/>
-              </a:rPr>
-              <a:t> Pre-Built SQL Analytics Queries</a:t>
-            </a:r>
-            <a:endParaRPr lang="en-IN" dirty="0">
-              <a:latin typeface="+mj-lt"/>
-              <a:cs typeface="Times New Roman" panose="02020603050405020304" pitchFamily="18" charset="0"/>
-            </a:endParaRPr>
-          </a:p>
-          <a:p>
-            <a:pPr>
-              <a:buFont typeface="Wingdings" panose="05000000000000000000" pitchFamily="2" charset="2"/>
-              <a:buChar char="Ø"/>
-            </a:pPr>
-            <a:r>
-              <a:rPr lang="en-IN" dirty="0">
-                <a:latin typeface="+mj-lt"/>
-                <a:cs typeface="Times New Roman" panose="02020603050405020304" pitchFamily="18" charset="0"/>
-              </a:rPr>
-              <a:t> Dashboard for Visual Insights</a:t>
-            </a:r>
-          </a:p>
-        </p:txBody>
-      </p:sp>
-    </p:spTree>
-  </p:cSld>
-  <p:clrMapOvr>
-    <a:masterClrMapping/>
-  </p:clrMapOvr>
-</p:sld>
-</file>
-
-<file path=ppt/slides/slide7.xml><?xml version="1.0" encoding="utf-8"?>
-<p:sld xmlns:a="http://schemas.openxmlformats.org/drawingml/2006/main" xmlns:r="http://schemas.openxmlformats.org/officeDocument/2006/relationships" xmlns:p="http://schemas.openxmlformats.org/presentationml/2006/main">
-  <p:cSld>
-    <p:bg>
-      <p:bgPr>
-        <a:blipFill dpi="0" rotWithShape="1">
-          <a:blip r:embed="rId2">
-            <a:alphaModFix amt="92000"/>
-          </a:blip>
-          <a:srcRect/>
-          <a:tile tx="0" ty="0" sx="100000" sy="100000" flip="none" algn="tl"/>
-        </a:blipFill>
-        <a:effectLst/>
-      </p:bgPr>
-    </p:bg>
-    <p:spTree>
-      <p:nvGrpSpPr>
-        <p:cNvPr id="1" name=""/>
-        <p:cNvGrpSpPr/>
-        <p:nvPr/>
-      </p:nvGrpSpPr>
-      <p:grpSpPr>
-        <a:xfrm>
-          <a:off x="0" y="0"/>
-          <a:ext cx="0" cy="0"/>
-          <a:chOff x="0" y="0"/>
-          <a:chExt cx="0" cy="0"/>
-        </a:xfrm>
-      </p:grpSpPr>
-      <p:sp>
-        <p:nvSpPr>
-          <p:cNvPr id="2" name="Title 1"/>
-          <p:cNvSpPr>
-            <a:spLocks noGrp="1"/>
-          </p:cNvSpPr>
-          <p:nvPr>
-            <p:ph type="title"/>
-          </p:nvPr>
-        </p:nvSpPr>
-        <p:spPr>
-          <a:xfrm>
-            <a:off x="533399" y="202095"/>
-            <a:ext cx="6554867" cy="1524000"/>
-          </a:xfrm>
-        </p:spPr>
-        <p:txBody>
-          <a:bodyPr/>
-          <a:lstStyle/>
-          <a:p>
-            <a:r>
-              <a:rPr dirty="0">
-                <a:latin typeface="Times New Roman" panose="02020603050405020304" pitchFamily="18" charset="0"/>
-                <a:cs typeface="Times New Roman" panose="02020603050405020304" pitchFamily="18" charset="0"/>
-              </a:rPr>
-              <a:t>Database Design</a:t>
-            </a:r>
-          </a:p>
-        </p:txBody>
-      </p:sp>
-      <p:sp>
-        <p:nvSpPr>
-          <p:cNvPr id="3" name="Content Placeholder 2"/>
-          <p:cNvSpPr>
-            <a:spLocks noGrp="1"/>
-          </p:cNvSpPr>
-          <p:nvPr>
-            <p:ph idx="1"/>
-          </p:nvPr>
-        </p:nvSpPr>
-        <p:spPr>
-          <a:xfrm>
-            <a:off x="533400" y="1209261"/>
-            <a:ext cx="6554867" cy="3767670"/>
-          </a:xfrm>
-        </p:spPr>
-        <p:txBody>
-          <a:bodyPr/>
-          <a:lstStyle/>
-          <a:p>
-            <a:pPr>
-              <a:buFont typeface="Wingdings" panose="05000000000000000000" pitchFamily="2" charset="2"/>
-              <a:buChar char="Ø"/>
-            </a:pPr>
-            <a:r>
-              <a:rPr dirty="0"/>
-              <a:t> Tables: </a:t>
-            </a:r>
-            <a:r>
-              <a:rPr dirty="0" err="1"/>
-              <a:t>Food_Listings</a:t>
-            </a:r>
-            <a:r>
-              <a:rPr dirty="0"/>
-              <a:t>, Providers, Receivers, Claims</a:t>
-            </a:r>
-          </a:p>
-          <a:p>
-            <a:pPr>
-              <a:buFont typeface="Wingdings" panose="05000000000000000000" pitchFamily="2" charset="2"/>
-              <a:buChar char="Ø"/>
-            </a:pPr>
-            <a:r>
-              <a:rPr dirty="0"/>
-              <a:t> Key Fields: </a:t>
-            </a:r>
-            <a:r>
-              <a:rPr dirty="0" err="1"/>
-              <a:t>Food_ID</a:t>
-            </a:r>
-            <a:r>
-              <a:rPr dirty="0"/>
-              <a:t>, Provider_ID, </a:t>
-            </a:r>
-            <a:r>
-              <a:rPr dirty="0" err="1"/>
-              <a:t>Expiry_Date</a:t>
-            </a:r>
-            <a:r>
-              <a:rPr dirty="0"/>
-              <a:t>, Location</a:t>
-            </a:r>
-          </a:p>
-          <a:p>
-            <a:pPr>
-              <a:buFont typeface="Wingdings" panose="05000000000000000000" pitchFamily="2" charset="2"/>
-              <a:buChar char="Ø"/>
-            </a:pPr>
-            <a:r>
-              <a:rPr dirty="0"/>
-              <a:t> Schema optimized for tracking and analysis</a:t>
-            </a:r>
-          </a:p>
-        </p:txBody>
-      </p:sp>
-    </p:spTree>
-  </p:cSld>
-  <p:clrMapOvr>
-    <a:masterClrMapping/>
-  </p:clrMapOvr>
-</p:sld>
-</file>
-
-<file path=ppt/slides/slide8.xml><?xml version="1.0" encoding="utf-8"?>
-<p:sld xmlns:a="http://schemas.openxmlformats.org/drawingml/2006/main" xmlns:r="http://schemas.openxmlformats.org/officeDocument/2006/relationships" xmlns:p="http://schemas.openxmlformats.org/presentationml/2006/main">
-  <p:cSld>
-    <p:bg>
-      <p:bgPr>
-        <a:blipFill dpi="0" rotWithShape="1">
-          <a:blip r:embed="rId2">
-            <a:alphaModFix amt="92000"/>
-          </a:blip>
-          <a:srcRect/>
-          <a:tile tx="0" ty="0" sx="100000" sy="100000" flip="none" algn="tl"/>
-        </a:blipFill>
-        <a:effectLst/>
-      </p:bgPr>
-    </p:bg>
-    <p:spTree>
-      <p:nvGrpSpPr>
-        <p:cNvPr id="1" name=""/>
-        <p:cNvGrpSpPr/>
-        <p:nvPr/>
-      </p:nvGrpSpPr>
-      <p:grpSpPr>
-        <a:xfrm>
-          <a:off x="0" y="0"/>
-          <a:ext cx="0" cy="0"/>
-          <a:chOff x="0" y="0"/>
-          <a:chExt cx="0" cy="0"/>
-        </a:xfrm>
-      </p:grpSpPr>
-      <p:sp>
-        <p:nvSpPr>
-          <p:cNvPr id="2" name="Title 1"/>
-          <p:cNvSpPr>
-            <a:spLocks noGrp="1"/>
-          </p:cNvSpPr>
-          <p:nvPr>
-            <p:ph type="title"/>
-          </p:nvPr>
-        </p:nvSpPr>
-        <p:spPr>
-          <a:xfrm>
-            <a:off x="533399" y="135834"/>
-            <a:ext cx="6554867" cy="1524000"/>
-          </a:xfrm>
-        </p:spPr>
-        <p:txBody>
-          <a:bodyPr/>
-          <a:lstStyle/>
-          <a:p>
-            <a:r>
-              <a:rPr dirty="0">
-                <a:latin typeface="Times New Roman" panose="02020603050405020304" pitchFamily="18" charset="0"/>
-                <a:cs typeface="Times New Roman" panose="02020603050405020304" pitchFamily="18" charset="0"/>
-              </a:rPr>
-              <a:t>Application Workflow</a:t>
-            </a:r>
-          </a:p>
-        </p:txBody>
-      </p:sp>
-      <p:sp>
-        <p:nvSpPr>
-          <p:cNvPr id="3" name="Content Placeholder 2"/>
-          <p:cNvSpPr>
-            <a:spLocks noGrp="1"/>
-          </p:cNvSpPr>
-          <p:nvPr>
-            <p:ph idx="1"/>
-          </p:nvPr>
-        </p:nvSpPr>
-        <p:spPr>
-          <a:xfrm>
-            <a:off x="533400" y="1196009"/>
-            <a:ext cx="6554867" cy="3767670"/>
-          </a:xfrm>
-        </p:spPr>
-        <p:txBody>
-          <a:bodyPr/>
-          <a:lstStyle/>
-          <a:p>
-            <a:pPr>
-              <a:buFont typeface="Wingdings" panose="05000000000000000000" pitchFamily="2" charset="2"/>
-              <a:buChar char="Ø"/>
-            </a:pPr>
-            <a:r>
-              <a:rPr dirty="0"/>
-              <a:t> User logs in or connects to DB</a:t>
-            </a:r>
-          </a:p>
-          <a:p>
-            <a:pPr>
-              <a:buFont typeface="Wingdings" panose="05000000000000000000" pitchFamily="2" charset="2"/>
-              <a:buChar char="Ø"/>
-            </a:pPr>
-            <a:r>
-              <a:rPr dirty="0"/>
-              <a:t> Provider adds or updates food items</a:t>
-            </a:r>
-          </a:p>
-          <a:p>
-            <a:pPr>
-              <a:buFont typeface="Wingdings" panose="05000000000000000000" pitchFamily="2" charset="2"/>
-              <a:buChar char="Ø"/>
-            </a:pPr>
-            <a:r>
-              <a:rPr dirty="0"/>
-              <a:t> Items tracked by quantity and expiry</a:t>
-            </a:r>
-          </a:p>
-          <a:p>
-            <a:pPr>
-              <a:buFont typeface="Wingdings" panose="05000000000000000000" pitchFamily="2" charset="2"/>
-              <a:buChar char="Ø"/>
-            </a:pPr>
-            <a:r>
-              <a:rPr dirty="0"/>
-              <a:t> Analytics generate actionable insights</a:t>
-            </a:r>
-          </a:p>
-        </p:txBody>
-      </p:sp>
-    </p:spTree>
-  </p:cSld>
-  <p:clrMapOvr>
-    <a:masterClrMapping/>
-  </p:clrMapOvr>
-</p:sld>
-</file>
-
-<file path=ppt/slides/slide9.xml><?xml version="1.0" encoding="utf-8"?>
-<p:sld xmlns:a="http://schemas.openxmlformats.org/drawingml/2006/main" xmlns:r="http://schemas.openxmlformats.org/officeDocument/2006/relationships" xmlns:p="http://schemas.openxmlformats.org/presentationml/2006/main">
-  <p:cSld>
-    <p:bg>
-      <p:bgPr>
-        <a:blipFill dpi="0" rotWithShape="1">
-          <a:blip r:embed="rId2">
-            <a:alphaModFix amt="92000"/>
-          </a:blip>
-          <a:srcRect/>
-          <a:tile tx="0" ty="0" sx="100000" sy="100000" flip="none" algn="tl"/>
-        </a:blipFill>
-        <a:effectLst/>
-      </p:bgPr>
-    </p:bg>
-    <p:spTree>
-      <p:nvGrpSpPr>
-        <p:cNvPr id="1" name=""/>
-        <p:cNvGrpSpPr/>
-        <p:nvPr/>
-      </p:nvGrpSpPr>
-      <p:grpSpPr>
-        <a:xfrm>
-          <a:off x="0" y="0"/>
-          <a:ext cx="0" cy="0"/>
-          <a:chOff x="0" y="0"/>
-          <a:chExt cx="0" cy="0"/>
-        </a:xfrm>
-      </p:grpSpPr>
-      <p:sp>
-        <p:nvSpPr>
-          <p:cNvPr id="2" name="Title 1"/>
-          <p:cNvSpPr>
-            <a:spLocks noGrp="1"/>
-          </p:cNvSpPr>
-          <p:nvPr>
-            <p:ph type="title"/>
-          </p:nvPr>
-        </p:nvSpPr>
-        <p:spPr>
-          <a:xfrm>
-            <a:off x="533400" y="241852"/>
-            <a:ext cx="6554867" cy="1524000"/>
-          </a:xfrm>
-        </p:spPr>
-        <p:txBody>
-          <a:bodyPr/>
-          <a:lstStyle/>
-          <a:p>
-            <a:r>
-              <a:rPr dirty="0">
-                <a:latin typeface="Times New Roman" panose="02020603050405020304" pitchFamily="18" charset="0"/>
-                <a:cs typeface="Times New Roman" panose="02020603050405020304" pitchFamily="18" charset="0"/>
-              </a:rPr>
-              <a:t>Analytics &amp; Reporting</a:t>
-            </a:r>
-          </a:p>
-        </p:txBody>
-      </p:sp>
-      <p:sp>
-        <p:nvSpPr>
-          <p:cNvPr id="3" name="Content Placeholder 2"/>
-          <p:cNvSpPr>
-            <a:spLocks noGrp="1"/>
-          </p:cNvSpPr>
-          <p:nvPr>
-            <p:ph idx="1"/>
-          </p:nvPr>
-        </p:nvSpPr>
-        <p:spPr>
-          <a:xfrm>
-            <a:off x="533400" y="1169504"/>
-            <a:ext cx="6554867" cy="3767670"/>
-          </a:xfrm>
-        </p:spPr>
-        <p:txBody>
-          <a:bodyPr/>
-          <a:lstStyle/>
-          <a:p>
-            <a:pPr>
-              <a:buFont typeface="Wingdings" panose="05000000000000000000" pitchFamily="2" charset="2"/>
-              <a:buChar char="Ø"/>
-            </a:pPr>
-            <a:r>
-              <a:rPr dirty="0"/>
-              <a:t> Food Expiring Soon</a:t>
-            </a:r>
-          </a:p>
-          <a:p>
-            <a:pPr>
-              <a:buFont typeface="Wingdings" panose="05000000000000000000" pitchFamily="2" charset="2"/>
-              <a:buChar char="Ø"/>
-            </a:pPr>
-            <a:r>
-              <a:rPr dirty="0"/>
-              <a:t> Monthly Trends</a:t>
-            </a:r>
-          </a:p>
-          <a:p>
-            <a:pPr>
-              <a:buFont typeface="Wingdings" panose="05000000000000000000" pitchFamily="2" charset="2"/>
-              <a:buChar char="Ø"/>
-            </a:pPr>
-            <a:r>
-              <a:rPr dirty="0"/>
-              <a:t> Provider Contributions</a:t>
-            </a:r>
-          </a:p>
-          <a:p>
-            <a:pPr>
-              <a:buFont typeface="Wingdings" panose="05000000000000000000" pitchFamily="2" charset="2"/>
-              <a:buChar char="Ø"/>
-            </a:pPr>
-            <a:r>
-              <a:rPr dirty="0"/>
-              <a:t> Location-Wise Availability</a:t>
-            </a:r>
-          </a:p>
-          <a:p>
-            <a:pPr>
-              <a:buFont typeface="Wingdings" panose="05000000000000000000" pitchFamily="2" charset="2"/>
-              <a:buChar char="Ø"/>
-            </a:pPr>
-            <a:r>
-              <a:rPr dirty="0"/>
+              <a:rPr b="1" dirty="0"/>
               <a:t> Expiry Timeline and Distribution</a:t>
             </a:r>
           </a:p>
@@ -8405,4 +8303,47 @@
     </a:ext>
   </a:extLst>
 </a:theme>
+</file>
+
+<file path=ppt/theme/themeOverride1.xml><?xml version="1.0" encoding="utf-8"?>
+<a:themeOverride xmlns:a="http://schemas.openxmlformats.org/drawingml/2006/main">
+  <a:clrScheme name="Slice">
+    <a:dk1>
+      <a:sysClr val="windowText" lastClr="000000"/>
+    </a:dk1>
+    <a:lt1>
+      <a:sysClr val="window" lastClr="FFFFFF"/>
+    </a:lt1>
+    <a:dk2>
+      <a:srgbClr val="146194"/>
+    </a:dk2>
+    <a:lt2>
+      <a:srgbClr val="76DBF4"/>
+    </a:lt2>
+    <a:accent1>
+      <a:srgbClr val="052F61"/>
+    </a:accent1>
+    <a:accent2>
+      <a:srgbClr val="A50E82"/>
+    </a:accent2>
+    <a:accent3>
+      <a:srgbClr val="14967C"/>
+    </a:accent3>
+    <a:accent4>
+      <a:srgbClr val="6A9E1F"/>
+    </a:accent4>
+    <a:accent5>
+      <a:srgbClr val="E87D37"/>
+    </a:accent5>
+    <a:accent6>
+      <a:srgbClr val="C62324"/>
+    </a:accent6>
+    <a:hlink>
+      <a:srgbClr val="0D2E46"/>
+    </a:hlink>
+    <a:folHlink>
+      <a:srgbClr val="356A95"/>
+    </a:folHlink>
+  </a:clrScheme>
+</a:themeOverride>
 </file>